--- a/12_21_to_12_25_eighth/8.BERT.pptx
+++ b/12_21_to_12_25_eighth/8.BERT.pptx
@@ -124,7 +124,18 @@
   </p:defaultTextStyle>
   <p:extLst>
     <p:ext uri="{EFAFB233-063F-42B5-8137-9DF3F51BA10A}">
-      <p15:sldGuideLst xmlns:p15="http://schemas.microsoft.com/office/powerpoint/2012/main" xmlns=""/>
+      <p15:sldGuideLst xmlns:p15="http://schemas.microsoft.com/office/powerpoint/2012/main">
+        <p15:guide id="1" orient="horz" pos="2160">
+          <p15:clr>
+            <a:srgbClr val="A4A3A4"/>
+          </p15:clr>
+        </p15:guide>
+        <p15:guide id="2" pos="2880">
+          <p15:clr>
+            <a:srgbClr val="A4A3A4"/>
+          </p15:clr>
+        </p15:guide>
+      </p15:sldGuideLst>
     </p:ext>
   </p:extLst>
 </p:presentation>
@@ -212,7 +223,7 @@
           <a:p>
             <a:fld id="{E86D8963-CFCD-4740-AF60-049850373CDF}" type="datetimeFigureOut">
               <a:rPr lang="zh-CN" altLang="en-US" smtClean="0"/>
-              <a:t>2020/12/23</a:t>
+              <a:t>2020/12/28</a:t>
             </a:fld>
             <a:endParaRPr lang="zh-CN" altLang="en-US"/>
           </a:p>
@@ -691,7 +702,7 @@
           <p:cNvPr id="2" name="矩形 1">
             <a:extLst>
               <a:ext uri="{FF2B5EF4-FFF2-40B4-BE49-F238E27FC236}">
-                <a16:creationId xmlns:a16="http://schemas.microsoft.com/office/drawing/2014/main" xmlns:p14="http://schemas.microsoft.com/office/powerpoint/2010/main" xmlns:a14="http://schemas.microsoft.com/office/drawing/2010/main" xmlns="" id="{40DC7FE0-21E6-412C-BEDF-7F7652DA4BAE}"/>
+                <a16:creationId xmlns:a16="http://schemas.microsoft.com/office/drawing/2014/main" id="{40DC7FE0-21E6-412C-BEDF-7F7652DA4BAE}"/>
               </a:ext>
             </a:extLst>
           </p:cNvPr>
@@ -761,7 +772,7 @@
           <p:cNvPr id="152" name="矩形 151">
             <a:extLst>
               <a:ext uri="{FF2B5EF4-FFF2-40B4-BE49-F238E27FC236}">
-                <a16:creationId xmlns:a16="http://schemas.microsoft.com/office/drawing/2014/main" xmlns:p14="http://schemas.microsoft.com/office/powerpoint/2010/main" xmlns:a14="http://schemas.microsoft.com/office/drawing/2010/main" xmlns="" id="{1CF1C83C-BE86-4CDD-A37F-E296AE15933C}"/>
+                <a16:creationId xmlns:a16="http://schemas.microsoft.com/office/drawing/2014/main" id="{1CF1C83C-BE86-4CDD-A37F-E296AE15933C}"/>
               </a:ext>
             </a:extLst>
           </p:cNvPr>
@@ -1037,7 +1048,7 @@
           <p:cNvPr id="14" name="直角三角形 13">
             <a:extLst>
               <a:ext uri="{FF2B5EF4-FFF2-40B4-BE49-F238E27FC236}">
-                <a16:creationId xmlns:a16="http://schemas.microsoft.com/office/drawing/2014/main" xmlns:p14="http://schemas.microsoft.com/office/powerpoint/2010/main" xmlns:a14="http://schemas.microsoft.com/office/drawing/2010/main" xmlns="" id="{50C1C7FF-FC4C-40EA-8DD1-A1F229B8617E}"/>
+                <a16:creationId xmlns:a16="http://schemas.microsoft.com/office/drawing/2014/main" id="{50C1C7FF-FC4C-40EA-8DD1-A1F229B8617E}"/>
               </a:ext>
             </a:extLst>
           </p:cNvPr>
@@ -1183,7 +1194,7 @@
           <p:cNvPr id="20" name="任意多边形: 形状 19">
             <a:extLst>
               <a:ext uri="{FF2B5EF4-FFF2-40B4-BE49-F238E27FC236}">
-                <a16:creationId xmlns:a16="http://schemas.microsoft.com/office/drawing/2014/main" xmlns:p14="http://schemas.microsoft.com/office/powerpoint/2010/main" xmlns:a14="http://schemas.microsoft.com/office/drawing/2010/main" xmlns="" id="{289391DE-0B4C-4B9C-B8AF-9A6B5468C853}"/>
+                <a16:creationId xmlns:a16="http://schemas.microsoft.com/office/drawing/2014/main" id="{289391DE-0B4C-4B9C-B8AF-9A6B5468C853}"/>
               </a:ext>
             </a:extLst>
           </p:cNvPr>
@@ -1366,7 +1377,7 @@
           <p:cNvPr id="3" name="组合 2">
             <a:extLst>
               <a:ext uri="{FF2B5EF4-FFF2-40B4-BE49-F238E27FC236}">
-                <a16:creationId xmlns:a16="http://schemas.microsoft.com/office/drawing/2014/main" xmlns:p14="http://schemas.microsoft.com/office/powerpoint/2010/main" xmlns:a14="http://schemas.microsoft.com/office/drawing/2010/main" xmlns="" id="{1E6A1F92-3324-444E-9311-33DB459CA252}"/>
+                <a16:creationId xmlns:a16="http://schemas.microsoft.com/office/drawing/2014/main" id="{1E6A1F92-3324-444E-9311-33DB459CA252}"/>
               </a:ext>
             </a:extLst>
           </p:cNvPr>
@@ -1386,7 +1397,7 @@
             <p:cNvPr id="16" name="任意多边形: 形状 15">
               <a:extLst>
                 <a:ext uri="{FF2B5EF4-FFF2-40B4-BE49-F238E27FC236}">
-                  <a16:creationId xmlns:a16="http://schemas.microsoft.com/office/drawing/2014/main" xmlns:p14="http://schemas.microsoft.com/office/powerpoint/2010/main" xmlns:a14="http://schemas.microsoft.com/office/drawing/2010/main" xmlns="" id="{9E56C5ED-730D-4E0F-8B91-8AE7E01B5BA4}"/>
+                  <a16:creationId xmlns:a16="http://schemas.microsoft.com/office/drawing/2014/main" id="{9E56C5ED-730D-4E0F-8B91-8AE7E01B5BA4}"/>
                 </a:ext>
               </a:extLst>
             </p:cNvPr>
@@ -1567,7 +1578,7 @@
             <p:cNvPr id="17" name="直角三角形 16">
               <a:extLst>
                 <a:ext uri="{FF2B5EF4-FFF2-40B4-BE49-F238E27FC236}">
-                  <a16:creationId xmlns:a16="http://schemas.microsoft.com/office/drawing/2014/main" xmlns:p14="http://schemas.microsoft.com/office/powerpoint/2010/main" xmlns:a14="http://schemas.microsoft.com/office/drawing/2010/main" xmlns="" id="{A3E9EECF-3E88-40E2-B2EE-EB09E425D202}"/>
+                  <a16:creationId xmlns:a16="http://schemas.microsoft.com/office/drawing/2014/main" id="{A3E9EECF-3E88-40E2-B2EE-EB09E425D202}"/>
                 </a:ext>
               </a:extLst>
             </p:cNvPr>
@@ -1714,7 +1725,7 @@
           <p:cNvPr id="18" name="直接连接符 17">
             <a:extLst>
               <a:ext uri="{FF2B5EF4-FFF2-40B4-BE49-F238E27FC236}">
-                <a16:creationId xmlns:a16="http://schemas.microsoft.com/office/drawing/2014/main" xmlns:p14="http://schemas.microsoft.com/office/powerpoint/2010/main" xmlns:a14="http://schemas.microsoft.com/office/drawing/2010/main" xmlns="" id="{37F2DB4A-01CB-48ED-9500-C136D472BD13}"/>
+                <a16:creationId xmlns:a16="http://schemas.microsoft.com/office/drawing/2014/main" id="{37F2DB4A-01CB-48ED-9500-C136D472BD13}"/>
               </a:ext>
             </a:extLst>
           </p:cNvPr>
@@ -1944,7 +1955,7 @@
                 </a:solidFill>
               </a:rPr>
               <a:pPr/>
-              <a:t>2020/12/23</a:t>
+              <a:t>2020/12/28</a:t>
             </a:fld>
             <a:endParaRPr lang="zh-TW" altLang="en-US">
               <a:solidFill>
@@ -2343,7 +2354,7 @@
                 </a:solidFill>
               </a:rPr>
               <a:pPr/>
-              <a:t>2020/12/23</a:t>
+              <a:t>2020/12/28</a:t>
             </a:fld>
             <a:endParaRPr lang="zh-TW" altLang="en-US">
               <a:solidFill>
@@ -2493,7 +2504,7 @@
                 </a:solidFill>
               </a:rPr>
               <a:pPr/>
-              <a:t>2020/12/23</a:t>
+              <a:t>2020/12/28</a:t>
             </a:fld>
             <a:endParaRPr lang="zh-TW" altLang="en-US">
               <a:solidFill>
@@ -2620,7 +2631,7 @@
                 </a:solidFill>
               </a:rPr>
               <a:pPr/>
-              <a:t>2020/12/23</a:t>
+              <a:t>2020/12/28</a:t>
             </a:fld>
             <a:endParaRPr lang="zh-TW" altLang="en-US">
               <a:solidFill>
@@ -2929,7 +2940,7 @@
                 </a:solidFill>
               </a:rPr>
               <a:pPr/>
-              <a:t>2020/12/23</a:t>
+              <a:t>2020/12/28</a:t>
             </a:fld>
             <a:endParaRPr lang="zh-TW" altLang="en-US">
               <a:solidFill>
@@ -3218,7 +3229,7 @@
                 </a:solidFill>
               </a:rPr>
               <a:pPr/>
-              <a:t>2020/12/23</a:t>
+              <a:t>2020/12/28</a:t>
             </a:fld>
             <a:endParaRPr lang="zh-TW" altLang="en-US">
               <a:solidFill>
@@ -3420,7 +3431,7 @@
                 </a:solidFill>
               </a:rPr>
               <a:pPr/>
-              <a:t>2020/12/23</a:t>
+              <a:t>2020/12/28</a:t>
             </a:fld>
             <a:endParaRPr lang="zh-TW" altLang="en-US">
               <a:solidFill>
@@ -3632,7 +3643,7 @@
                 </a:solidFill>
               </a:rPr>
               <a:pPr/>
-              <a:t>2020/12/23</a:t>
+              <a:t>2020/12/28</a:t>
             </a:fld>
             <a:endParaRPr lang="zh-TW" altLang="en-US">
               <a:solidFill>
@@ -3856,7 +3867,7 @@
                 </a:solidFill>
               </a:rPr>
               <a:pPr/>
-              <a:t>2020/12/23</a:t>
+              <a:t>2020/12/28</a:t>
             </a:fld>
             <a:endParaRPr lang="zh-TW" altLang="en-US">
               <a:solidFill>
@@ -4058,7 +4069,7 @@
                 </a:solidFill>
               </a:rPr>
               <a:pPr/>
-              <a:t>2020/12/23</a:t>
+              <a:t>2020/12/28</a:t>
             </a:fld>
             <a:endParaRPr lang="zh-TW" altLang="en-US">
               <a:solidFill>
@@ -4326,7 +4337,7 @@
           <p:cNvPr id="14" name="组合 13">
             <a:extLst>
               <a:ext uri="{FF2B5EF4-FFF2-40B4-BE49-F238E27FC236}">
-                <a16:creationId xmlns:a16="http://schemas.microsoft.com/office/drawing/2014/main" xmlns:p14="http://schemas.microsoft.com/office/powerpoint/2010/main" xmlns="" id="{5AC59681-F11A-4532-9DB9-5A192353D748}"/>
+                <a16:creationId xmlns:a16="http://schemas.microsoft.com/office/drawing/2014/main" id="{5AC59681-F11A-4532-9DB9-5A192353D748}"/>
               </a:ext>
             </a:extLst>
           </p:cNvPr>
@@ -4346,7 +4357,7 @@
             <p:cNvPr id="16" name="任意多边形: 形状 15">
               <a:extLst>
                 <a:ext uri="{FF2B5EF4-FFF2-40B4-BE49-F238E27FC236}">
-                  <a16:creationId xmlns:a16="http://schemas.microsoft.com/office/drawing/2014/main" xmlns:p14="http://schemas.microsoft.com/office/powerpoint/2010/main" xmlns="" id="{E6A5888F-D713-4E46-84DE-7ABF6477050A}"/>
+                  <a16:creationId xmlns:a16="http://schemas.microsoft.com/office/drawing/2014/main" id="{E6A5888F-D713-4E46-84DE-7ABF6477050A}"/>
                 </a:ext>
               </a:extLst>
             </p:cNvPr>
@@ -4527,7 +4538,7 @@
             <p:cNvPr id="18" name="直角三角形 17">
               <a:extLst>
                 <a:ext uri="{FF2B5EF4-FFF2-40B4-BE49-F238E27FC236}">
-                  <a16:creationId xmlns:a16="http://schemas.microsoft.com/office/drawing/2014/main" xmlns:p14="http://schemas.microsoft.com/office/powerpoint/2010/main" xmlns="" id="{A909143A-6E6D-42D3-B70E-641FC4797D94}"/>
+                  <a16:creationId xmlns:a16="http://schemas.microsoft.com/office/drawing/2014/main" id="{A909143A-6E6D-42D3-B70E-641FC4797D94}"/>
                 </a:ext>
               </a:extLst>
             </p:cNvPr>
@@ -4674,7 +4685,7 @@
           <p:cNvPr id="19" name="任意多边形: 形状 18">
             <a:extLst>
               <a:ext uri="{FF2B5EF4-FFF2-40B4-BE49-F238E27FC236}">
-                <a16:creationId xmlns:a16="http://schemas.microsoft.com/office/drawing/2014/main" xmlns:p14="http://schemas.microsoft.com/office/powerpoint/2010/main" xmlns="" id="{E572A6D1-696D-4EF5-9EB3-FBD165133E47}"/>
+                <a16:creationId xmlns:a16="http://schemas.microsoft.com/office/drawing/2014/main" id="{E572A6D1-696D-4EF5-9EB3-FBD165133E47}"/>
               </a:ext>
             </a:extLst>
           </p:cNvPr>
@@ -5074,7 +5085,7 @@
                 </a:solidFill>
               </a:rPr>
               <a:pPr/>
-              <a:t>2020/12/23</a:t>
+              <a:t>2020/12/28</a:t>
             </a:fld>
             <a:endParaRPr lang="zh-TW" altLang="en-US">
               <a:solidFill>
@@ -5338,7 +5349,7 @@
                 </a:solidFill>
               </a:rPr>
               <a:pPr/>
-              <a:t>2020/12/23</a:t>
+              <a:t>2020/12/28</a:t>
             </a:fld>
             <a:endParaRPr lang="zh-TW" altLang="en-US">
               <a:solidFill>
@@ -5737,7 +5748,7 @@
                 </a:solidFill>
               </a:rPr>
               <a:pPr/>
-              <a:t>2020/12/23</a:t>
+              <a:t>2020/12/28</a:t>
             </a:fld>
             <a:endParaRPr lang="zh-TW" altLang="en-US">
               <a:solidFill>
@@ -5887,7 +5898,7 @@
                 </a:solidFill>
               </a:rPr>
               <a:pPr/>
-              <a:t>2020/12/23</a:t>
+              <a:t>2020/12/28</a:t>
             </a:fld>
             <a:endParaRPr lang="zh-TW" altLang="en-US">
               <a:solidFill>
@@ -6014,7 +6025,7 @@
                 </a:solidFill>
               </a:rPr>
               <a:pPr/>
-              <a:t>2020/12/23</a:t>
+              <a:t>2020/12/28</a:t>
             </a:fld>
             <a:endParaRPr lang="zh-TW" altLang="en-US">
               <a:solidFill>
@@ -6323,7 +6334,7 @@
                 </a:solidFill>
               </a:rPr>
               <a:pPr/>
-              <a:t>2020/12/23</a:t>
+              <a:t>2020/12/28</a:t>
             </a:fld>
             <a:endParaRPr lang="zh-TW" altLang="en-US">
               <a:solidFill>
@@ -6612,7 +6623,7 @@
                 </a:solidFill>
               </a:rPr>
               <a:pPr/>
-              <a:t>2020/12/23</a:t>
+              <a:t>2020/12/28</a:t>
             </a:fld>
             <a:endParaRPr lang="zh-TW" altLang="en-US">
               <a:solidFill>
@@ -6814,7 +6825,7 @@
                 </a:solidFill>
               </a:rPr>
               <a:pPr/>
-              <a:t>2020/12/23</a:t>
+              <a:t>2020/12/28</a:t>
             </a:fld>
             <a:endParaRPr lang="zh-TW" altLang="en-US">
               <a:solidFill>
@@ -7026,7 +7037,7 @@
                 </a:solidFill>
               </a:rPr>
               <a:pPr/>
-              <a:t>2020/12/23</a:t>
+              <a:t>2020/12/28</a:t>
             </a:fld>
             <a:endParaRPr lang="zh-TW" altLang="en-US">
               <a:solidFill>
@@ -7134,7 +7145,7 @@
           <p:cNvPr id="3" name="日期占位符 2">
             <a:extLst>
               <a:ext uri="{FF2B5EF4-FFF2-40B4-BE49-F238E27FC236}">
-                <a16:creationId xmlns:a16="http://schemas.microsoft.com/office/drawing/2014/main" xmlns:p14="http://schemas.microsoft.com/office/powerpoint/2010/main" xmlns="" id="{9888B6D7-9D3F-49D7-BACE-73A9D1149A74}"/>
+                <a16:creationId xmlns:a16="http://schemas.microsoft.com/office/drawing/2014/main" id="{9888B6D7-9D3F-49D7-BACE-73A9D1149A74}"/>
               </a:ext>
             </a:extLst>
           </p:cNvPr>
@@ -7153,7 +7164,7 @@
             <a:fld id="{6489D9C7-5DC6-4263-87FF-7C99F6FB63C3}" type="datetime1">
               <a:rPr lang="zh-CN" altLang="en-US" smtClean="0"/>
               <a:pPr/>
-              <a:t>2020/12/23</a:t>
+              <a:t>2020/12/28</a:t>
             </a:fld>
             <a:endParaRPr lang="zh-CN" altLang="en-US"/>
           </a:p>
@@ -7164,7 +7175,7 @@
           <p:cNvPr id="4" name="页脚占位符 3">
             <a:extLst>
               <a:ext uri="{FF2B5EF4-FFF2-40B4-BE49-F238E27FC236}">
-                <a16:creationId xmlns:a16="http://schemas.microsoft.com/office/drawing/2014/main" xmlns:p14="http://schemas.microsoft.com/office/powerpoint/2010/main" xmlns="" id="{7AC997A4-1DD8-4731-B9FD-42398A20FF85}"/>
+                <a16:creationId xmlns:a16="http://schemas.microsoft.com/office/drawing/2014/main" id="{7AC997A4-1DD8-4731-B9FD-42398A20FF85}"/>
               </a:ext>
             </a:extLst>
           </p:cNvPr>
@@ -7193,7 +7204,7 @@
           <p:cNvPr id="5" name="灯片编号占位符 4">
             <a:extLst>
               <a:ext uri="{FF2B5EF4-FFF2-40B4-BE49-F238E27FC236}">
-                <a16:creationId xmlns:a16="http://schemas.microsoft.com/office/drawing/2014/main" xmlns:p14="http://schemas.microsoft.com/office/powerpoint/2010/main" xmlns="" id="{DBA9825E-1876-42AD-ABCF-E0E100F351CA}"/>
+                <a16:creationId xmlns:a16="http://schemas.microsoft.com/office/drawing/2014/main" id="{DBA9825E-1876-42AD-ABCF-E0E100F351CA}"/>
               </a:ext>
             </a:extLst>
           </p:cNvPr>
@@ -7223,7 +7234,7 @@
           <p:cNvPr id="6" name="标题 5">
             <a:extLst>
               <a:ext uri="{FF2B5EF4-FFF2-40B4-BE49-F238E27FC236}">
-                <a16:creationId xmlns:a16="http://schemas.microsoft.com/office/drawing/2014/main" xmlns:p14="http://schemas.microsoft.com/office/powerpoint/2010/main" xmlns="" id="{D124F9DB-C87A-423F-9657-38C7A2901430}"/>
+                <a16:creationId xmlns:a16="http://schemas.microsoft.com/office/drawing/2014/main" id="{D124F9DB-C87A-423F-9657-38C7A2901430}"/>
               </a:ext>
             </a:extLst>
           </p:cNvPr>
@@ -7256,7 +7267,7 @@
           <p:cNvPr id="8" name="内容占位符 7">
             <a:extLst>
               <a:ext uri="{FF2B5EF4-FFF2-40B4-BE49-F238E27FC236}">
-                <a16:creationId xmlns:a16="http://schemas.microsoft.com/office/drawing/2014/main" xmlns:p14="http://schemas.microsoft.com/office/powerpoint/2010/main" xmlns="" id="{2070191C-4093-409C-8FD5-7369A79637AD}"/>
+                <a16:creationId xmlns:a16="http://schemas.microsoft.com/office/drawing/2014/main" id="{2070191C-4093-409C-8FD5-7369A79637AD}"/>
               </a:ext>
             </a:extLst>
           </p:cNvPr>
@@ -7365,7 +7376,7 @@
           <p:cNvPr id="2" name="Title 1">
             <a:extLst>
               <a:ext uri="{FF2B5EF4-FFF2-40B4-BE49-F238E27FC236}">
-                <a16:creationId xmlns:a16="http://schemas.microsoft.com/office/drawing/2014/main" xmlns="" id="{F21C7A1C-3684-4AAF-A408-C63B6CB64104}"/>
+                <a16:creationId xmlns:a16="http://schemas.microsoft.com/office/drawing/2014/main" id="{F21C7A1C-3684-4AAF-A408-C63B6CB64104}"/>
               </a:ext>
             </a:extLst>
           </p:cNvPr>
@@ -7398,7 +7409,7 @@
           <p:cNvPr id="3" name="Date Placeholder 2">
             <a:extLst>
               <a:ext uri="{FF2B5EF4-FFF2-40B4-BE49-F238E27FC236}">
-                <a16:creationId xmlns:a16="http://schemas.microsoft.com/office/drawing/2014/main" xmlns="" id="{8986EA5F-D77D-4318-90E9-C04AA8ADC0D1}"/>
+                <a16:creationId xmlns:a16="http://schemas.microsoft.com/office/drawing/2014/main" id="{8986EA5F-D77D-4318-90E9-C04AA8ADC0D1}"/>
               </a:ext>
             </a:extLst>
           </p:cNvPr>
@@ -7417,7 +7428,7 @@
             <a:fld id="{6489D9C7-5DC6-4263-87FF-7C99F6FB63C3}" type="datetime1">
               <a:rPr lang="zh-CN" altLang="en-US" smtClean="0"/>
               <a:pPr/>
-              <a:t>2020/12/23</a:t>
+              <a:t>2020/12/28</a:t>
             </a:fld>
             <a:endParaRPr lang="zh-CN" altLang="en-US"/>
           </a:p>
@@ -7428,7 +7439,7 @@
           <p:cNvPr id="4" name="Footer Placeholder 3">
             <a:extLst>
               <a:ext uri="{FF2B5EF4-FFF2-40B4-BE49-F238E27FC236}">
-                <a16:creationId xmlns:a16="http://schemas.microsoft.com/office/drawing/2014/main" xmlns="" id="{00832621-D9D9-445E-BFF9-F8348FA1E262}"/>
+                <a16:creationId xmlns:a16="http://schemas.microsoft.com/office/drawing/2014/main" id="{00832621-D9D9-445E-BFF9-F8348FA1E262}"/>
               </a:ext>
             </a:extLst>
           </p:cNvPr>
@@ -7457,7 +7468,7 @@
           <p:cNvPr id="5" name="Slide Number Placeholder 4">
             <a:extLst>
               <a:ext uri="{FF2B5EF4-FFF2-40B4-BE49-F238E27FC236}">
-                <a16:creationId xmlns:a16="http://schemas.microsoft.com/office/drawing/2014/main" xmlns="" id="{8371151B-F790-4A9F-962F-B8718A9560A9}"/>
+                <a16:creationId xmlns:a16="http://schemas.microsoft.com/office/drawing/2014/main" id="{8371151B-F790-4A9F-962F-B8718A9560A9}"/>
               </a:ext>
             </a:extLst>
           </p:cNvPr>
@@ -7645,7 +7656,7 @@
           <p:cNvPr id="6" name="文本占位符 13">
             <a:extLst>
               <a:ext uri="{FF2B5EF4-FFF2-40B4-BE49-F238E27FC236}">
-                <a16:creationId xmlns:a16="http://schemas.microsoft.com/office/drawing/2014/main" xmlns:p14="http://schemas.microsoft.com/office/powerpoint/2010/main" xmlns="" id="{05EBDA4F-7210-4CAE-8333-80DB24212E78}"/>
+                <a16:creationId xmlns:a16="http://schemas.microsoft.com/office/drawing/2014/main" id="{05EBDA4F-7210-4CAE-8333-80DB24212E78}"/>
               </a:ext>
             </a:extLst>
           </p:cNvPr>
@@ -7706,7 +7717,7 @@
           <p:cNvPr id="2" name="组合 1">
             <a:extLst>
               <a:ext uri="{FF2B5EF4-FFF2-40B4-BE49-F238E27FC236}">
-                <a16:creationId xmlns:a16="http://schemas.microsoft.com/office/drawing/2014/main" xmlns:p14="http://schemas.microsoft.com/office/powerpoint/2010/main" xmlns="" id="{17DBEE42-68ED-4279-BE26-6E01A69BBEF2}"/>
+                <a16:creationId xmlns:a16="http://schemas.microsoft.com/office/drawing/2014/main" id="{17DBEE42-68ED-4279-BE26-6E01A69BBEF2}"/>
               </a:ext>
             </a:extLst>
           </p:cNvPr>
@@ -7726,7 +7737,7 @@
             <p:cNvPr id="14" name="直角三角形 13">
               <a:extLst>
                 <a:ext uri="{FF2B5EF4-FFF2-40B4-BE49-F238E27FC236}">
-                  <a16:creationId xmlns:a16="http://schemas.microsoft.com/office/drawing/2014/main" xmlns:p14="http://schemas.microsoft.com/office/powerpoint/2010/main" xmlns="" id="{54ED6A62-0BAE-4923-A147-9B9B0AA8CC4B}"/>
+                  <a16:creationId xmlns:a16="http://schemas.microsoft.com/office/drawing/2014/main" id="{54ED6A62-0BAE-4923-A147-9B9B0AA8CC4B}"/>
                 </a:ext>
               </a:extLst>
             </p:cNvPr>
@@ -7872,7 +7883,7 @@
             <p:cNvPr id="16" name="任意多边形: 形状 15">
               <a:extLst>
                 <a:ext uri="{FF2B5EF4-FFF2-40B4-BE49-F238E27FC236}">
-                  <a16:creationId xmlns:a16="http://schemas.microsoft.com/office/drawing/2014/main" xmlns:p14="http://schemas.microsoft.com/office/powerpoint/2010/main" xmlns="" id="{A0486DD4-6EB4-4C04-B057-433CEA079B61}"/>
+                  <a16:creationId xmlns:a16="http://schemas.microsoft.com/office/drawing/2014/main" id="{A0486DD4-6EB4-4C04-B057-433CEA079B61}"/>
                 </a:ext>
               </a:extLst>
             </p:cNvPr>
@@ -8055,7 +8066,7 @@
             <p:cNvPr id="17" name="组合 16">
               <a:extLst>
                 <a:ext uri="{FF2B5EF4-FFF2-40B4-BE49-F238E27FC236}">
-                  <a16:creationId xmlns:a16="http://schemas.microsoft.com/office/drawing/2014/main" xmlns:p14="http://schemas.microsoft.com/office/powerpoint/2010/main" xmlns="" id="{4853B012-5DAA-417E-97C6-16A07F531A55}"/>
+                  <a16:creationId xmlns:a16="http://schemas.microsoft.com/office/drawing/2014/main" id="{4853B012-5DAA-417E-97C6-16A07F531A55}"/>
                 </a:ext>
               </a:extLst>
             </p:cNvPr>
@@ -8075,7 +8086,7 @@
               <p:cNvPr id="18" name="任意多边形: 形状 17">
                 <a:extLst>
                   <a:ext uri="{FF2B5EF4-FFF2-40B4-BE49-F238E27FC236}">
-                    <a16:creationId xmlns:a16="http://schemas.microsoft.com/office/drawing/2014/main" xmlns:p14="http://schemas.microsoft.com/office/powerpoint/2010/main" xmlns="" id="{5E2349C7-34AE-41BF-88F2-89A2543E53EC}"/>
+                    <a16:creationId xmlns:a16="http://schemas.microsoft.com/office/drawing/2014/main" id="{5E2349C7-34AE-41BF-88F2-89A2543E53EC}"/>
                   </a:ext>
                 </a:extLst>
               </p:cNvPr>
@@ -8256,7 +8267,7 @@
               <p:cNvPr id="19" name="直角三角形 18">
                 <a:extLst>
                   <a:ext uri="{FF2B5EF4-FFF2-40B4-BE49-F238E27FC236}">
-                    <a16:creationId xmlns:a16="http://schemas.microsoft.com/office/drawing/2014/main" xmlns:p14="http://schemas.microsoft.com/office/powerpoint/2010/main" xmlns="" id="{6B70EC56-D07C-4952-9987-84F09E677805}"/>
+                    <a16:creationId xmlns:a16="http://schemas.microsoft.com/office/drawing/2014/main" id="{6B70EC56-D07C-4952-9987-84F09E677805}"/>
                   </a:ext>
                 </a:extLst>
               </p:cNvPr>
@@ -8403,7 +8414,7 @@
             <p:cNvPr id="20" name="直接连接符 19">
               <a:extLst>
                 <a:ext uri="{FF2B5EF4-FFF2-40B4-BE49-F238E27FC236}">
-                  <a16:creationId xmlns:a16="http://schemas.microsoft.com/office/drawing/2014/main" xmlns:p14="http://schemas.microsoft.com/office/powerpoint/2010/main" xmlns="" id="{618FDB69-63B3-4AEB-AEBA-A85B662BA63B}"/>
+                  <a16:creationId xmlns:a16="http://schemas.microsoft.com/office/drawing/2014/main" id="{618FDB69-63B3-4AEB-AEBA-A85B662BA63B}"/>
                 </a:ext>
               </a:extLst>
             </p:cNvPr>
@@ -8594,7 +8605,7 @@
                 </a:solidFill>
               </a:rPr>
               <a:pPr/>
-              <a:t>2020/12/23</a:t>
+              <a:t>2020/12/28</a:t>
             </a:fld>
             <a:endParaRPr lang="zh-TW" altLang="en-US">
               <a:solidFill>
@@ -8796,7 +8807,7 @@
                 </a:solidFill>
               </a:rPr>
               <a:pPr/>
-              <a:t>2020/12/23</a:t>
+              <a:t>2020/12/28</a:t>
             </a:fld>
             <a:endParaRPr lang="zh-TW" altLang="en-US">
               <a:solidFill>
@@ -9072,7 +9083,7 @@
                 </a:solidFill>
               </a:rPr>
               <a:pPr/>
-              <a:t>2020/12/23</a:t>
+              <a:t>2020/12/28</a:t>
             </a:fld>
             <a:endParaRPr lang="zh-TW" altLang="en-US">
               <a:solidFill>
@@ -9321,7 +9332,7 @@
           <p:cNvPr id="8" name="日期占位符 3">
             <a:extLst>
               <a:ext uri="{FF2B5EF4-FFF2-40B4-BE49-F238E27FC236}">
-                <a16:creationId xmlns:a16="http://schemas.microsoft.com/office/drawing/2014/main" xmlns:p15="http://schemas.microsoft.com/office/powerpoint/2012/main" xmlns:p14="http://schemas.microsoft.com/office/powerpoint/2010/main" xmlns="" id="{04388434-9949-479C-A9C3-67A953F6A939}"/>
+                <a16:creationId xmlns:a16="http://schemas.microsoft.com/office/drawing/2014/main" id="{04388434-9949-479C-A9C3-67A953F6A939}"/>
               </a:ext>
             </a:extLst>
           </p:cNvPr>
@@ -9359,7 +9370,7 @@
             <a:fld id="{6489D9C7-5DC6-4263-87FF-7C99F6FB63C3}" type="datetime1">
               <a:rPr lang="zh-CN" altLang="en-US" smtClean="0"/>
               <a:pPr/>
-              <a:t>2020/12/23</a:t>
+              <a:t>2020/12/28</a:t>
             </a:fld>
             <a:endParaRPr lang="zh-CN" altLang="en-US"/>
           </a:p>
@@ -9370,7 +9381,7 @@
           <p:cNvPr id="9" name="页脚占位符 4">
             <a:extLst>
               <a:ext uri="{FF2B5EF4-FFF2-40B4-BE49-F238E27FC236}">
-                <a16:creationId xmlns:a16="http://schemas.microsoft.com/office/drawing/2014/main" xmlns:p15="http://schemas.microsoft.com/office/powerpoint/2012/main" xmlns:p14="http://schemas.microsoft.com/office/powerpoint/2010/main" xmlns="" id="{50A5656E-7A33-4865-A262-1F96263BAA16}"/>
+                <a16:creationId xmlns:a16="http://schemas.microsoft.com/office/drawing/2014/main" id="{50A5656E-7A33-4865-A262-1F96263BAA16}"/>
               </a:ext>
             </a:extLst>
           </p:cNvPr>
@@ -9418,7 +9429,7 @@
           <p:cNvPr id="10" name="灯片编号占位符 5">
             <a:extLst>
               <a:ext uri="{FF2B5EF4-FFF2-40B4-BE49-F238E27FC236}">
-                <a16:creationId xmlns:a16="http://schemas.microsoft.com/office/drawing/2014/main" xmlns:p15="http://schemas.microsoft.com/office/powerpoint/2012/main" xmlns:p14="http://schemas.microsoft.com/office/powerpoint/2010/main" xmlns="" id="{5BF52F79-380E-4278-8B67-588AFE5840F9}"/>
+                <a16:creationId xmlns:a16="http://schemas.microsoft.com/office/drawing/2014/main" id="{5BF52F79-380E-4278-8B67-588AFE5840F9}"/>
               </a:ext>
             </a:extLst>
           </p:cNvPr>
@@ -9759,9 +9770,9 @@
       </a:lvl9pPr>
     </p:otherStyle>
   </p:txStyles>
-  <p:extLst mod="1">
+  <p:extLst>
     <p:ext uri="{27BBF7A9-308A-43DC-89C8-2F10F3537804}">
-      <p15:sldGuideLst xmlns:p15="http://schemas.microsoft.com/office/powerpoint/2012/main" xmlns:p14="http://schemas.microsoft.com/office/powerpoint/2010/main" xmlns:a16="http://schemas.microsoft.com/office/drawing/2014/main" xmlns="">
+      <p15:sldGuideLst xmlns:p15="http://schemas.microsoft.com/office/powerpoint/2012/main">
         <p15:guide id="1" pos="317" userDrawn="1">
           <p15:clr>
             <a:srgbClr val="F26B43"/>
@@ -9958,7 +9969,7 @@
                 </a:solidFill>
               </a:rPr>
               <a:pPr defTabSz="457200"/>
-              <a:t>2020/12/23</a:t>
+              <a:t>2020/12/28</a:t>
             </a:fld>
             <a:endParaRPr lang="zh-TW" altLang="en-US">
               <a:solidFill>
@@ -10533,7 +10544,7 @@
                 </a:solidFill>
               </a:rPr>
               <a:pPr defTabSz="457200"/>
-              <a:t>2020/12/23</a:t>
+              <a:t>2020/12/28</a:t>
             </a:fld>
             <a:endParaRPr lang="zh-TW" altLang="en-US">
               <a:solidFill>
@@ -10970,7 +10981,7 @@
           <p:cNvPr id="3" name="对象 2" hidden="1">
             <a:extLst>
               <a:ext uri="{FF2B5EF4-FFF2-40B4-BE49-F238E27FC236}">
-                <a16:creationId xmlns:a16="http://schemas.microsoft.com/office/drawing/2014/main" xmlns:v="urn:schemas-microsoft-com:vml" xmlns:mc="http://schemas.openxmlformats.org/markup-compatibility/2006" xmlns:p14="http://schemas.microsoft.com/office/powerpoint/2010/main" xmlns="" id="{3C326D0B-7DAB-41B6-8030-2E4A18CC949B}"/>
+                <a16:creationId xmlns:a16="http://schemas.microsoft.com/office/drawing/2014/main" id="{3C326D0B-7DAB-41B6-8030-2E4A18CC949B}"/>
               </a:ext>
             </a:extLst>
           </p:cNvPr>
@@ -10993,19 +11004,19 @@
           <a:graphicData uri="http://schemas.openxmlformats.org/presentationml/2006/ole">
             <mc:AlternateContent xmlns:mc="http://schemas.openxmlformats.org/markup-compatibility/2006">
               <mc:Choice xmlns:v="urn:schemas-microsoft-com:vml" Requires="v">
-                <p:oleObj spid="_x0000_s1073" name="think-cell Slide" r:id="rId5" imgW="347" imgH="348" progId="TCLayout.ActiveDocument.1">
+                <p:oleObj name="think-cell Slide" r:id="rId4" imgW="347" imgH="348" progId="TCLayout.ActiveDocument.1">
                   <p:embed/>
                 </p:oleObj>
               </mc:Choice>
               <mc:Fallback>
-                <p:oleObj name="think-cell Slide" r:id="rId5" imgW="347" imgH="348" progId="TCLayout.ActiveDocument.1">
+                <p:oleObj name="think-cell Slide" r:id="rId4" imgW="347" imgH="348" progId="TCLayout.ActiveDocument.1">
                   <p:embed/>
                   <p:pic>
                     <p:nvPicPr>
                       <p:cNvPr id="3" name="对象 2" hidden="1">
                         <a:extLst>
                           <a:ext uri="{FF2B5EF4-FFF2-40B4-BE49-F238E27FC236}">
-                            <a16:creationId xmlns:a16="http://schemas.microsoft.com/office/drawing/2014/main" xmlns:v="urn:schemas-microsoft-com:vml" xmlns:p14="http://schemas.microsoft.com/office/powerpoint/2010/main" xmlns="" id="{3C326D0B-7DAB-41B6-8030-2E4A18CC949B}"/>
+                            <a16:creationId xmlns:a16="http://schemas.microsoft.com/office/drawing/2014/main" id="{3C326D0B-7DAB-41B6-8030-2E4A18CC949B}"/>
                           </a:ext>
                         </a:extLst>
                       </p:cNvPr>
@@ -11013,7 +11024,7 @@
                       <p:nvPr/>
                     </p:nvPicPr>
                     <p:blipFill>
-                      <a:blip r:embed="rId6"/>
+                      <a:blip r:embed="rId5"/>
                       <a:stretch>
                         <a:fillRect/>
                       </a:stretch>
@@ -11039,7 +11050,7 @@
           <p:cNvPr id="2" name="矩形 1" hidden="1">
             <a:extLst>
               <a:ext uri="{FF2B5EF4-FFF2-40B4-BE49-F238E27FC236}">
-                <a16:creationId xmlns:a16="http://schemas.microsoft.com/office/drawing/2014/main" xmlns:v="urn:schemas-microsoft-com:vml" xmlns:mc="http://schemas.openxmlformats.org/markup-compatibility/2006" xmlns:p14="http://schemas.microsoft.com/office/powerpoint/2010/main" xmlns="" id="{EC933494-1B63-4A32-964F-D05236799BAA}"/>
+                <a16:creationId xmlns:a16="http://schemas.microsoft.com/office/drawing/2014/main" id="{EC933494-1B63-4A32-964F-D05236799BAA}"/>
               </a:ext>
             </a:extLst>
           </p:cNvPr>
@@ -11116,7 +11127,6 @@
               <a:rPr lang="en-US" altLang="zh-CN" dirty="0"/>
               <a:t>Bidirectional Encoder Representations from Transformers (BERT) </a:t>
             </a:r>
-            <a:endParaRPr lang="en-US" altLang="zh-CN" dirty="0"/>
           </a:p>
         </p:txBody>
       </p:sp>
@@ -11136,11 +11146,11 @@
           <a:lstStyle/>
           <a:p>
             <a:r>
-              <a:rPr lang="en-US" altLang="zh-CN" dirty="0" smtClean="0"/>
+              <a:rPr lang="en-US" altLang="zh-CN" dirty="0"/>
               <a:t>BERT </a:t>
             </a:r>
             <a:r>
-              <a:rPr lang="en-US" altLang="zh-CN" dirty="0" err="1" smtClean="0"/>
+              <a:rPr lang="en-US" altLang="zh-CN" dirty="0" err="1"/>
               <a:t>Introdce</a:t>
             </a:r>
             <a:endParaRPr lang="zh-CN" altLang="en-US" dirty="0"/>
@@ -11163,11 +11173,11 @@
           <a:lstStyle/>
           <a:p>
             <a:r>
-              <a:rPr lang="en-US" altLang="zh-CN" dirty="0" smtClean="0"/>
+              <a:rPr lang="en-US" altLang="zh-CN" dirty="0"/>
               <a:t>Sean,</a:t>
             </a:r>
             <a:r>
-              <a:rPr lang="zh-TW" altLang="en-US" dirty="0" smtClean="0"/>
+              <a:rPr lang="zh-TW" altLang="en-US" dirty="0"/>
               <a:t>王家祥</a:t>
             </a:r>
             <a:endParaRPr lang="en-US" altLang="zh-CN" dirty="0"/>
@@ -11179,7 +11189,7 @@
           <p:cNvPr id="10" name="直接连接符 9">
             <a:extLst>
               <a:ext uri="{FF2B5EF4-FFF2-40B4-BE49-F238E27FC236}">
-                <a16:creationId xmlns:a16="http://schemas.microsoft.com/office/drawing/2014/main" xmlns:v="urn:schemas-microsoft-com:vml" xmlns:mc="http://schemas.openxmlformats.org/markup-compatibility/2006" xmlns:p14="http://schemas.microsoft.com/office/powerpoint/2010/main" xmlns="" id="{757A9238-71E4-415D-A10C-26D3A95E3F57}"/>
+                <a16:creationId xmlns:a16="http://schemas.microsoft.com/office/drawing/2014/main" id="{757A9238-71E4-415D-A10C-26D3A95E3F57}"/>
               </a:ext>
             </a:extLst>
           </p:cNvPr>
@@ -11222,7 +11232,7 @@
           <p:cNvPr id="25" name="直接连接符 24">
             <a:extLst>
               <a:ext uri="{FF2B5EF4-FFF2-40B4-BE49-F238E27FC236}">
-                <a16:creationId xmlns:a16="http://schemas.microsoft.com/office/drawing/2014/main" xmlns:v="urn:schemas-microsoft-com:vml" xmlns:mc="http://schemas.openxmlformats.org/markup-compatibility/2006" xmlns:p14="http://schemas.microsoft.com/office/powerpoint/2010/main" xmlns="" id="{219179BF-9239-47D4-B305-9CDA4389B244}"/>
+                <a16:creationId xmlns:a16="http://schemas.microsoft.com/office/drawing/2014/main" id="{219179BF-9239-47D4-B305-9CDA4389B244}"/>
               </a:ext>
             </a:extLst>
           </p:cNvPr>
@@ -11262,7 +11272,7 @@
       </p:cxnSp>
     </p:spTree>
     <p:custDataLst>
-      <p:tags r:id="rId3"/>
+      <p:tags r:id="rId2"/>
     </p:custDataLst>
     <p:extLst>
       <p:ext uri="{BB962C8B-B14F-4D97-AF65-F5344CB8AC3E}">
@@ -11309,20 +11319,16 @@
           <a:lstStyle/>
           <a:p>
             <a:r>
-              <a:rPr lang="en-US" altLang="zh-CN" smtClean="0"/>
+              <a:rPr lang="en-US" altLang="zh-CN"/>
               <a:t>www.islide</a:t>
             </a:r>
             <a:r>
-              <a:rPr lang="en-US" altLang="zh-CN" sz="100" smtClean="0"/>
+              <a:rPr lang="en-US" altLang="zh-CN" sz="100"/>
               <a:t> </a:t>
             </a:r>
             <a:r>
-              <a:rPr lang="en-US" altLang="zh-CN" smtClean="0"/>
-              <a:t>.</a:t>
-            </a:r>
-            <a:r>
-              <a:rPr lang="en-US" altLang="zh-CN" smtClean="0"/>
-              <a:t>cc</a:t>
+              <a:rPr lang="en-US" altLang="zh-CN"/>
+              <a:t>.cc</a:t>
             </a:r>
             <a:endParaRPr lang="zh-CN" altLang="en-US" dirty="0"/>
           </a:p>
@@ -11368,22 +11374,9 @@
           <a:lstStyle/>
           <a:p>
             <a:r>
-              <a:rPr lang="en-US" altLang="zh-TW" dirty="0" smtClean="0"/>
-              <a:t>BERT </a:t>
-            </a:r>
-            <a:r>
               <a:rPr lang="en-US" altLang="zh-TW" dirty="0"/>
-              <a:t>Model - </a:t>
-            </a:r>
-            <a:r>
-              <a:rPr lang="zh-TW" altLang="en-US" dirty="0"/>
-              <a:t>訓練</a:t>
-            </a:r>
-            <a:r>
-              <a:rPr lang="zh-TW" altLang="en-US" dirty="0" smtClean="0"/>
-              <a:t>流程</a:t>
-            </a:r>
-            <a:endParaRPr lang="en-US" altLang="zh-TW" dirty="0"/>
+              <a:t>BERT Model - Demo</a:t>
+            </a:r>
           </a:p>
         </p:txBody>
       </p:sp>
@@ -11403,12 +11396,28 @@
           <a:lstStyle/>
           <a:p>
             <a:r>
-              <a:rPr lang="en-US" altLang="zh-TW" smtClean="0"/>
+              <a:rPr lang="en-US" altLang="zh-TW" dirty="0"/>
               <a:t>BERT Code Demo</a:t>
             </a:r>
           </a:p>
           <a:p>
-            <a:endParaRPr lang="en-US" altLang="zh-TW" smtClean="0"/>
+            <a:r>
+              <a:rPr lang="en-US" altLang="zh-TW" dirty="0">
+                <a:hlinkClick r:id="rId3"/>
+              </a:rPr>
+              <a:t>https://leemeng.tw/attack_on_bert_transfer_learning_in_nlp.htmlhttps://leemeng.tw/attack_on_bert_transfer_learning_in_nlp.html</a:t>
+            </a:r>
+            <a:endParaRPr lang="en-US" altLang="zh-TW" dirty="0"/>
+          </a:p>
+          <a:p>
+            <a:r>
+              <a:rPr lang="zh-TW" altLang="en-US" dirty="0"/>
+              <a:t>參考上述資料代碼</a:t>
+            </a:r>
+            <a:endParaRPr lang="en-US" altLang="zh-TW"/>
+          </a:p>
+          <a:p>
+            <a:endParaRPr lang="en-US" altLang="zh-TW"/>
           </a:p>
         </p:txBody>
       </p:sp>
@@ -11425,13 +11434,6 @@
   <p:clrMapOvr>
     <a:masterClrMapping/>
   </p:clrMapOvr>
-  <p:timing>
-    <p:tnLst>
-      <p:par>
-        <p:cTn id="1" dur="indefinite" restart="never" nodeType="tmRoot"/>
-      </p:par>
-    </p:tnLst>
-  </p:timing>
 </p:sld>
 </file>
 
@@ -11457,7 +11459,7 @@
           <p:cNvPr id="3" name="对象 2" hidden="1">
             <a:extLst>
               <a:ext uri="{FF2B5EF4-FFF2-40B4-BE49-F238E27FC236}">
-                <a16:creationId xmlns:a16="http://schemas.microsoft.com/office/drawing/2014/main" xmlns:v="urn:schemas-microsoft-com:vml" xmlns:mc="http://schemas.openxmlformats.org/markup-compatibility/2006" xmlns:p14="http://schemas.microsoft.com/office/powerpoint/2010/main" xmlns="" id="{A6A819F1-33AF-45D7-8BF6-2B0A9769CAD4}"/>
+                <a16:creationId xmlns:a16="http://schemas.microsoft.com/office/drawing/2014/main" id="{A6A819F1-33AF-45D7-8BF6-2B0A9769CAD4}"/>
               </a:ext>
             </a:extLst>
           </p:cNvPr>
@@ -11480,19 +11482,19 @@
           <a:graphicData uri="http://schemas.openxmlformats.org/presentationml/2006/ole">
             <mc:AlternateContent xmlns:mc="http://schemas.openxmlformats.org/markup-compatibility/2006">
               <mc:Choice xmlns:v="urn:schemas-microsoft-com:vml" Requires="v">
-                <p:oleObj spid="_x0000_s3121" name="think-cell Slide" r:id="rId5" imgW="347" imgH="348" progId="TCLayout.ActiveDocument.1">
+                <p:oleObj name="think-cell Slide" r:id="rId4" imgW="347" imgH="348" progId="TCLayout.ActiveDocument.1">
                   <p:embed/>
                 </p:oleObj>
               </mc:Choice>
               <mc:Fallback>
-                <p:oleObj name="think-cell Slide" r:id="rId5" imgW="347" imgH="348" progId="TCLayout.ActiveDocument.1">
+                <p:oleObj name="think-cell Slide" r:id="rId4" imgW="347" imgH="348" progId="TCLayout.ActiveDocument.1">
                   <p:embed/>
                   <p:pic>
                     <p:nvPicPr>
                       <p:cNvPr id="3" name="对象 2" hidden="1">
                         <a:extLst>
                           <a:ext uri="{FF2B5EF4-FFF2-40B4-BE49-F238E27FC236}">
-                            <a16:creationId xmlns:a16="http://schemas.microsoft.com/office/drawing/2014/main" xmlns:v="urn:schemas-microsoft-com:vml" xmlns:p14="http://schemas.microsoft.com/office/powerpoint/2010/main" xmlns="" id="{A6A819F1-33AF-45D7-8BF6-2B0A9769CAD4}"/>
+                            <a16:creationId xmlns:a16="http://schemas.microsoft.com/office/drawing/2014/main" id="{A6A819F1-33AF-45D7-8BF6-2B0A9769CAD4}"/>
                           </a:ext>
                         </a:extLst>
                       </p:cNvPr>
@@ -11500,7 +11502,7 @@
                       <p:nvPr/>
                     </p:nvPicPr>
                     <p:blipFill>
-                      <a:blip r:embed="rId6"/>
+                      <a:blip r:embed="rId5"/>
                       <a:stretch>
                         <a:fillRect/>
                       </a:stretch>
@@ -11526,7 +11528,7 @@
           <p:cNvPr id="2" name="矩形 1" hidden="1">
             <a:extLst>
               <a:ext uri="{FF2B5EF4-FFF2-40B4-BE49-F238E27FC236}">
-                <a16:creationId xmlns:a16="http://schemas.microsoft.com/office/drawing/2014/main" xmlns:v="urn:schemas-microsoft-com:vml" xmlns:mc="http://schemas.openxmlformats.org/markup-compatibility/2006" xmlns:p14="http://schemas.microsoft.com/office/powerpoint/2010/main" xmlns="" id="{FF51F16D-1BAD-46EE-A6F4-B8B94C9DF628}"/>
+                <a16:creationId xmlns:a16="http://schemas.microsoft.com/office/drawing/2014/main" id="{FF51F16D-1BAD-46EE-A6F4-B8B94C9DF628}"/>
               </a:ext>
             </a:extLst>
           </p:cNvPr>
@@ -11607,7 +11609,7 @@
               <a:rPr lang="en-US" altLang="zh-CN" dirty="0"/>
             </a:br>
             <a:r>
-              <a:rPr lang="en-US" altLang="zh-CN" dirty="0" smtClean="0"/>
+              <a:rPr lang="en-US" altLang="zh-CN" dirty="0"/>
               <a:t>Deeper and Deeper</a:t>
             </a:r>
             <a:endParaRPr lang="zh-CN" altLang="en-US" dirty="0"/>
@@ -11630,11 +11632,11 @@
           <a:lstStyle/>
           <a:p>
             <a:r>
-              <a:rPr lang="en-US" altLang="zh-CN" dirty="0" smtClean="0"/>
+              <a:rPr lang="en-US" altLang="zh-CN" dirty="0"/>
               <a:t>Sean, </a:t>
             </a:r>
             <a:r>
-              <a:rPr lang="zh-TW" altLang="en-US" dirty="0" smtClean="0"/>
+              <a:rPr lang="zh-TW" altLang="en-US" dirty="0"/>
               <a:t>王家祥</a:t>
             </a:r>
             <a:endParaRPr lang="en-US" altLang="zh-CN" dirty="0"/>
@@ -11643,7 +11645,7 @@
       </p:sp>
     </p:spTree>
     <p:custDataLst>
-      <p:tags r:id="rId3"/>
+      <p:tags r:id="rId2"/>
     </p:custDataLst>
     <p:extLst>
       <p:ext uri="{BB962C8B-B14F-4D97-AF65-F5344CB8AC3E}">
@@ -11654,13 +11656,6 @@
   <p:clrMapOvr>
     <a:masterClrMapping/>
   </p:clrMapOvr>
-  <p:timing>
-    <p:tnLst>
-      <p:par>
-        <p:cTn id="1" dur="indefinite" restart="never" nodeType="tmRoot"/>
-      </p:par>
-    </p:tnLst>
-  </p:timing>
 </p:sld>
 </file>
 
@@ -11686,7 +11681,7 @@
           <p:cNvPr id="2" name="组合 1">
             <a:extLst>
               <a:ext uri="{FF2B5EF4-FFF2-40B4-BE49-F238E27FC236}">
-                <a16:creationId xmlns:a16="http://schemas.microsoft.com/office/drawing/2014/main" xmlns:p14="http://schemas.microsoft.com/office/powerpoint/2010/main" xmlns="" id="{C0498D3A-B738-48EC-A39C-94C58B88932B}"/>
+                <a16:creationId xmlns:a16="http://schemas.microsoft.com/office/drawing/2014/main" id="{C0498D3A-B738-48EC-A39C-94C58B88932B}"/>
               </a:ext>
             </a:extLst>
           </p:cNvPr>
@@ -11706,7 +11701,7 @@
             <p:cNvPr id="6" name="2b751056-6b97-492c-b763-340acee7e99d" descr="本素材由iSlide™ 提供&#10;iSlide™尊重知识产权并注重保护用户享有的各项权利。郑重提醒您：&#10;iSlide™插件中提供的任何信息内容的所有权、知识产权归其原始权利人或权利受让人所有，您免费/购买获得的是信息内容的使用权，并受下述条款的约束；&#10;1. 您仅可以个人非商业用途使用该等信息内容，不可将信息内容的全部或部分用于出售，或以出租、出借、转让、分销、发布等其他任何方式供他人使用；&#10;2. 禁止在接入互联网或移动互联网的任何网站、平台、应用或程序上以任何方式为他人提供iSlide™插件资源内容的下载。&#10;The resource is supplied by iSlide™.&#10;iSlide™ respects all intellectual property rights and protects all the rights its users acquired.Solemnly remind you:&#10;The ownership and intellectual property of the resources supplied in iSlide Add-in belongs to its owner or the assignee of this ownership.you only acquired the usage of the resources supplied in iSlide Add-in, as well as respected the following restrain terms:&#10;1.You are only allowed to use such resource for personal and non-commercial aim, not allowed to use such resource or part of it for the sale; or rent, lend, transfer to others; or distribution or release it in any way.&#10;2.You are not permitted to provide the resource of iSlide Add-in in any website, platform, application access to the Internet or mobile Internet." title="iSlide™ 版权声明  COPYRIGHT NOTICE">
               <a:extLst>
                 <a:ext uri="{FF2B5EF4-FFF2-40B4-BE49-F238E27FC236}">
-                  <a16:creationId xmlns:a16="http://schemas.microsoft.com/office/drawing/2014/main" xmlns:p14="http://schemas.microsoft.com/office/powerpoint/2010/main" xmlns="" id="{A759C196-DA28-4241-ABB5-975367026FE9}"/>
+                  <a16:creationId xmlns:a16="http://schemas.microsoft.com/office/drawing/2014/main" id="{A759C196-DA28-4241-ABB5-975367026FE9}"/>
                 </a:ext>
               </a:extLst>
             </p:cNvPr>
@@ -11728,7 +11723,7 @@
               <p:cNvPr id="7" name="iṡľïḑè">
                 <a:extLst>
                   <a:ext uri="{FF2B5EF4-FFF2-40B4-BE49-F238E27FC236}">
-                    <a16:creationId xmlns:a16="http://schemas.microsoft.com/office/drawing/2014/main" xmlns:p14="http://schemas.microsoft.com/office/powerpoint/2010/main" xmlns="" id="{48F70259-7598-4270-874A-6F50772D10F6}"/>
+                    <a16:creationId xmlns:a16="http://schemas.microsoft.com/office/drawing/2014/main" id="{48F70259-7598-4270-874A-6F50772D10F6}"/>
                   </a:ext>
                 </a:extLst>
               </p:cNvPr>
@@ -11866,18 +11861,13 @@
                   <a:buAutoNum type="arabicPeriod"/>
                 </a:pPr>
                 <a:r>
-                  <a:rPr lang="en-US" altLang="zh-CN" sz="2400" dirty="0" smtClean="0">
+                  <a:rPr lang="en-US" altLang="zh-CN" sz="2400" dirty="0">
                     <a:latin typeface="+mn-lt"/>
                     <a:ea typeface="+mn-ea"/>
                     <a:sym typeface="+mn-lt"/>
                   </a:rPr>
                   <a:t>BERT Introduce</a:t>
                 </a:r>
-                <a:endParaRPr lang="en-US" altLang="zh-CN" sz="2400" dirty="0" smtClean="0">
-                  <a:latin typeface="+mn-lt"/>
-                  <a:ea typeface="+mn-ea"/>
-                  <a:sym typeface="+mn-lt"/>
-                </a:endParaRPr>
               </a:p>
               <a:p>
                 <a:pPr marL="257168" indent="-257168">
@@ -11888,7 +11878,7 @@
                   <a:buAutoNum type="arabicPeriod"/>
                 </a:pPr>
                 <a:r>
-                  <a:rPr lang="en-US" altLang="zh-CN" sz="2400" dirty="0" smtClean="0">
+                  <a:rPr lang="en-US" altLang="zh-CN" sz="2400" dirty="0">
                     <a:latin typeface="+mn-lt"/>
                     <a:ea typeface="+mn-ea"/>
                     <a:sym typeface="+mn-lt"/>
@@ -11905,18 +11895,13 @@
                   <a:buAutoNum type="arabicPeriod"/>
                 </a:pPr>
                 <a:r>
-                  <a:rPr lang="en-US" altLang="zh-CN" sz="2400" dirty="0" smtClean="0">
+                  <a:rPr lang="en-US" altLang="zh-CN" sz="2400" dirty="0">
                     <a:latin typeface="+mn-lt"/>
                     <a:ea typeface="+mn-ea"/>
                     <a:sym typeface="+mn-lt"/>
                   </a:rPr>
                   <a:t>Code Demo</a:t>
                 </a:r>
-                <a:endParaRPr lang="en-US" altLang="zh-CN" sz="2400" dirty="0">
-                  <a:latin typeface="+mn-lt"/>
-                  <a:ea typeface="+mn-ea"/>
-                  <a:sym typeface="+mn-lt"/>
-                </a:endParaRPr>
               </a:p>
               <a:p>
                 <a:pPr>
@@ -11937,7 +11922,7 @@
               <p:cNvPr id="8" name="直接连接符 7">
                 <a:extLst>
                   <a:ext uri="{FF2B5EF4-FFF2-40B4-BE49-F238E27FC236}">
-                    <a16:creationId xmlns:a16="http://schemas.microsoft.com/office/drawing/2014/main" xmlns:p14="http://schemas.microsoft.com/office/powerpoint/2010/main" xmlns="" id="{DA1FB18E-FA01-4588-BEF9-FB96A98A84D4}"/>
+                    <a16:creationId xmlns:a16="http://schemas.microsoft.com/office/drawing/2014/main" id="{DA1FB18E-FA01-4588-BEF9-FB96A98A84D4}"/>
                   </a:ext>
                 </a:extLst>
               </p:cNvPr>
@@ -11976,7 +11961,7 @@
               <p:cNvPr id="9" name="išľïḋé">
                 <a:extLst>
                   <a:ext uri="{FF2B5EF4-FFF2-40B4-BE49-F238E27FC236}">
-                    <a16:creationId xmlns:a16="http://schemas.microsoft.com/office/drawing/2014/main" xmlns:p14="http://schemas.microsoft.com/office/powerpoint/2010/main" xmlns="" id="{0DB1D0A1-2667-455C-9387-D7ABF0A00B8C}"/>
+                    <a16:creationId xmlns:a16="http://schemas.microsoft.com/office/drawing/2014/main" id="{0DB1D0A1-2667-455C-9387-D7ABF0A00B8C}"/>
                   </a:ext>
                 </a:extLst>
               </p:cNvPr>
@@ -12003,7 +11988,7 @@
               <a:p>
                 <a:pPr algn="r"/>
                 <a:r>
-                  <a:rPr lang="tr-TR" sz="2100" b="1" smtClean="0">
+                  <a:rPr lang="tr-TR" sz="2100" b="1">
                     <a:solidFill>
                       <a:schemeClr val="accent1"/>
                     </a:solidFill>
@@ -12013,7 +11998,7 @@
                   <a:t>CONTEN</a:t>
                 </a:r>
                 <a:r>
-                  <a:rPr lang="tr-TR" sz="100" b="1" smtClean="0">
+                  <a:rPr lang="tr-TR" sz="100" b="1">
                     <a:solidFill>
                       <a:schemeClr val="accent1"/>
                     </a:solidFill>
@@ -12023,7 +12008,7 @@
                   <a:t> </a:t>
                 </a:r>
                 <a:r>
-                  <a:rPr lang="tr-TR" sz="2100" b="1" smtClean="0">
+                  <a:rPr lang="tr-TR" sz="2100" b="1">
                     <a:solidFill>
                       <a:schemeClr val="accent1"/>
                     </a:solidFill>
@@ -12048,7 +12033,7 @@
             <p:cNvPr id="10" name="poetry_91022">
               <a:extLst>
                 <a:ext uri="{FF2B5EF4-FFF2-40B4-BE49-F238E27FC236}">
-                  <a16:creationId xmlns:a16="http://schemas.microsoft.com/office/drawing/2014/main" xmlns:p14="http://schemas.microsoft.com/office/powerpoint/2010/main" xmlns="" id="{ADAD6BE3-DC11-4582-9F68-50D831ADD001}"/>
+                  <a16:creationId xmlns:a16="http://schemas.microsoft.com/office/drawing/2014/main" id="{ADAD6BE3-DC11-4582-9F68-50D831ADD001}"/>
                 </a:ext>
               </a:extLst>
             </p:cNvPr>
@@ -12686,7 +12671,7 @@
           <a:lstStyle/>
           <a:p>
             <a:r>
-              <a:rPr lang="en-US" altLang="zh-CN" dirty="0" smtClean="0"/>
+              <a:rPr lang="en-US" altLang="zh-CN" dirty="0"/>
               <a:t>Introduce</a:t>
             </a:r>
             <a:endParaRPr lang="zh-CN" altLang="en-US" dirty="0"/>
@@ -12698,7 +12683,7 @@
           <p:cNvPr id="9" name="文本框 8">
             <a:extLst>
               <a:ext uri="{FF2B5EF4-FFF2-40B4-BE49-F238E27FC236}">
-                <a16:creationId xmlns:a16="http://schemas.microsoft.com/office/drawing/2014/main" xmlns:p14="http://schemas.microsoft.com/office/powerpoint/2010/main" xmlns="" id="{04F69230-F3A6-4586-9371-A858F4763E9F}"/>
+                <a16:creationId xmlns:a16="http://schemas.microsoft.com/office/drawing/2014/main" id="{04F69230-F3A6-4586-9371-A858F4763E9F}"/>
               </a:ext>
             </a:extLst>
           </p:cNvPr>
@@ -12728,7 +12713,7 @@
           <a:lstStyle/>
           <a:p>
             <a:r>
-              <a:rPr lang="en-US" altLang="zh-CN" sz="1350" spc="75" smtClean="0">
+              <a:rPr lang="en-US" altLang="zh-CN" sz="1350" spc="75">
                 <a:solidFill>
                   <a:schemeClr val="accent1"/>
                 </a:solidFill>
@@ -12738,7 +12723,7 @@
               <a:t>/</a:t>
             </a:r>
             <a:r>
-              <a:rPr lang="en-US" altLang="zh-CN" sz="100" spc="75" smtClean="0">
+              <a:rPr lang="en-US" altLang="zh-CN" sz="100" spc="75">
                 <a:solidFill>
                   <a:schemeClr val="accent1"/>
                 </a:solidFill>
@@ -12748,7 +12733,7 @@
               <a:t> </a:t>
             </a:r>
             <a:r>
-              <a:rPr lang="en-US" altLang="zh-CN" sz="1350" spc="75" smtClean="0">
+              <a:rPr lang="en-US" altLang="zh-CN" sz="1350" spc="75">
                 <a:solidFill>
                   <a:schemeClr val="accent1"/>
                 </a:solidFill>
@@ -12835,20 +12820,16 @@
           <a:lstStyle/>
           <a:p>
             <a:r>
-              <a:rPr lang="en-US" altLang="zh-CN" smtClean="0"/>
+              <a:rPr lang="en-US" altLang="zh-CN"/>
               <a:t>www.islide</a:t>
             </a:r>
             <a:r>
-              <a:rPr lang="en-US" altLang="zh-CN" sz="100" smtClean="0"/>
+              <a:rPr lang="en-US" altLang="zh-CN" sz="100"/>
               <a:t> </a:t>
             </a:r>
             <a:r>
-              <a:rPr lang="en-US" altLang="zh-CN" smtClean="0"/>
-              <a:t>.</a:t>
-            </a:r>
-            <a:r>
-              <a:rPr lang="en-US" altLang="zh-CN" smtClean="0"/>
-              <a:t>cc</a:t>
+              <a:rPr lang="en-US" altLang="zh-CN"/>
+              <a:t>.cc</a:t>
             </a:r>
             <a:endParaRPr lang="zh-CN" altLang="en-US" dirty="0"/>
           </a:p>
@@ -12895,13 +12876,8 @@
           <a:p>
             <a:r>
               <a:rPr lang="en-US" altLang="zh-TW" dirty="0"/>
-              <a:t>BERT Model - </a:t>
-            </a:r>
-            <a:r>
-              <a:rPr lang="en-US" altLang="zh-TW" dirty="0" smtClean="0"/>
-              <a:t>Introduce</a:t>
-            </a:r>
-            <a:endParaRPr lang="en-US" altLang="zh-TW" dirty="0"/>
+              <a:t>BERT Model - Introduce</a:t>
+            </a:r>
           </a:p>
         </p:txBody>
       </p:sp>
@@ -12982,13 +12958,9 @@
             </a:r>
             <a:r>
               <a:rPr lang="zh-TW" altLang="en-US" dirty="0"/>
-              <a:t>的結構，上一張經典的圖片，如下</a:t>
-            </a:r>
-            <a:r>
-              <a:rPr lang="zh-TW" altLang="en-US" dirty="0" smtClean="0"/>
-              <a:t>：</a:t>
-            </a:r>
-            <a:endParaRPr lang="en-US" altLang="zh-TW" dirty="0" smtClean="0"/>
+              <a:t>的結構，上一張經典的圖片，如下：</a:t>
+            </a:r>
+            <a:endParaRPr lang="en-US" altLang="zh-TW" dirty="0"/>
           </a:p>
           <a:p>
             <a:endParaRPr lang="zh-TW" altLang="en-US" dirty="0"/>
@@ -13206,20 +13178,16 @@
           <a:lstStyle/>
           <a:p>
             <a:r>
-              <a:rPr lang="en-US" altLang="zh-CN" smtClean="0"/>
+              <a:rPr lang="en-US" altLang="zh-CN"/>
               <a:t>www.islide</a:t>
             </a:r>
             <a:r>
-              <a:rPr lang="en-US" altLang="zh-CN" sz="100" smtClean="0"/>
+              <a:rPr lang="en-US" altLang="zh-CN" sz="100"/>
               <a:t> </a:t>
             </a:r>
             <a:r>
-              <a:rPr lang="en-US" altLang="zh-CN" smtClean="0"/>
-              <a:t>.</a:t>
-            </a:r>
-            <a:r>
-              <a:rPr lang="en-US" altLang="zh-CN" smtClean="0"/>
-              <a:t>cc</a:t>
+              <a:rPr lang="en-US" altLang="zh-CN"/>
+              <a:t>.cc</a:t>
             </a:r>
             <a:endParaRPr lang="zh-CN" altLang="en-US" dirty="0"/>
           </a:p>
@@ -13266,13 +13234,8 @@
           <a:p>
             <a:r>
               <a:rPr lang="en-US" altLang="zh-TW" dirty="0"/>
-              <a:t>BERT Model - </a:t>
-            </a:r>
-            <a:r>
-              <a:rPr lang="en-US" altLang="zh-TW" dirty="0" smtClean="0"/>
-              <a:t>Introduce</a:t>
-            </a:r>
-            <a:endParaRPr lang="en-US" altLang="zh-TW" dirty="0"/>
+              <a:t>BERT Model - Introduce</a:t>
+            </a:r>
           </a:p>
         </p:txBody>
       </p:sp>
@@ -13292,7 +13255,7 @@
           <a:lstStyle/>
           <a:p>
             <a:r>
-              <a:rPr lang="en-US" altLang="zh-TW" dirty="0" smtClean="0"/>
+              <a:rPr lang="en-US" altLang="zh-TW" dirty="0"/>
               <a:t>transformer</a:t>
             </a:r>
             <a:r>
@@ -13590,7 +13553,7 @@
           <p:cNvPr id="2" name="標題 1">
             <a:extLst>
               <a:ext uri="{FF2B5EF4-FFF2-40B4-BE49-F238E27FC236}">
-                <a16:creationId xmlns:a16="http://schemas.microsoft.com/office/drawing/2014/main" xmlns="" id="{6D53508B-3A95-4244-B7A1-633E5F08F210}"/>
+                <a16:creationId xmlns:a16="http://schemas.microsoft.com/office/drawing/2014/main" id="{6D53508B-3A95-4244-B7A1-633E5F08F210}"/>
               </a:ext>
             </a:extLst>
           </p:cNvPr>
@@ -13681,7 +13644,7 @@
           <p:cNvPr id="3" name="內容版面配置區 2">
             <a:extLst>
               <a:ext uri="{FF2B5EF4-FFF2-40B4-BE49-F238E27FC236}">
-                <a16:creationId xmlns:a16="http://schemas.microsoft.com/office/drawing/2014/main" xmlns="" id="{7E11BAFB-AC9E-4617-A3BB-0E6302A90BBB}"/>
+                <a16:creationId xmlns:a16="http://schemas.microsoft.com/office/drawing/2014/main" id="{7E11BAFB-AC9E-4617-A3BB-0E6302A90BBB}"/>
               </a:ext>
             </a:extLst>
           </p:cNvPr>
@@ -13718,7 +13681,7 @@
           <p:cNvPr id="8" name="群組 7">
             <a:extLst>
               <a:ext uri="{FF2B5EF4-FFF2-40B4-BE49-F238E27FC236}">
-                <a16:creationId xmlns:a16="http://schemas.microsoft.com/office/drawing/2014/main" xmlns="" id="{A777928E-D44F-4911-A9DB-6113D7FBCBD4}"/>
+                <a16:creationId xmlns:a16="http://schemas.microsoft.com/office/drawing/2014/main" id="{A777928E-D44F-4911-A9DB-6113D7FBCBD4}"/>
               </a:ext>
             </a:extLst>
           </p:cNvPr>
@@ -13738,7 +13701,7 @@
             <p:cNvPr id="5" name="圖片 4">
               <a:extLst>
                 <a:ext uri="{FF2B5EF4-FFF2-40B4-BE49-F238E27FC236}">
-                  <a16:creationId xmlns:a16="http://schemas.microsoft.com/office/drawing/2014/main" xmlns="" id="{FA92E88B-8928-4E7F-9D11-65FF88E016CF}"/>
+                  <a16:creationId xmlns:a16="http://schemas.microsoft.com/office/drawing/2014/main" id="{FA92E88B-8928-4E7F-9D11-65FF88E016CF}"/>
                 </a:ext>
               </a:extLst>
             </p:cNvPr>
@@ -13768,7 +13731,7 @@
             <p:cNvPr id="6" name="矩形 5">
               <a:extLst>
                 <a:ext uri="{FF2B5EF4-FFF2-40B4-BE49-F238E27FC236}">
-                  <a16:creationId xmlns:a16="http://schemas.microsoft.com/office/drawing/2014/main" xmlns="" id="{3DAB9A5F-6353-49EA-BDE1-A01548F77E04}"/>
+                  <a16:creationId xmlns:a16="http://schemas.microsoft.com/office/drawing/2014/main" id="{3DAB9A5F-6353-49EA-BDE1-A01548F77E04}"/>
                 </a:ext>
               </a:extLst>
             </p:cNvPr>
@@ -13824,7 +13787,7 @@
             <p:cNvPr id="7" name="文字方塊 6">
               <a:extLst>
                 <a:ext uri="{FF2B5EF4-FFF2-40B4-BE49-F238E27FC236}">
-                  <a16:creationId xmlns:a16="http://schemas.microsoft.com/office/drawing/2014/main" xmlns="" id="{3C71F337-CCF5-4EED-88A4-8E30C37D9709}"/>
+                  <a16:creationId xmlns:a16="http://schemas.microsoft.com/office/drawing/2014/main" id="{3C71F337-CCF5-4EED-88A4-8E30C37D9709}"/>
                 </a:ext>
               </a:extLst>
             </p:cNvPr>
@@ -13870,7 +13833,7 @@
           <p:cNvPr id="9" name="矩形: 圓角 8">
             <a:extLst>
               <a:ext uri="{FF2B5EF4-FFF2-40B4-BE49-F238E27FC236}">
-                <a16:creationId xmlns:a16="http://schemas.microsoft.com/office/drawing/2014/main" xmlns="" id="{95C335A7-D1D5-4DFC-91EF-2D53BDD4AA36}"/>
+                <a16:creationId xmlns:a16="http://schemas.microsoft.com/office/drawing/2014/main" id="{95C335A7-D1D5-4DFC-91EF-2D53BDD4AA36}"/>
               </a:ext>
             </a:extLst>
           </p:cNvPr>
@@ -13931,7 +13894,7 @@
           <p:cNvPr id="1026" name="Picture 2" descr="ç¸éåç">
             <a:extLst>
               <a:ext uri="{FF2B5EF4-FFF2-40B4-BE49-F238E27FC236}">
-                <a16:creationId xmlns:a16="http://schemas.microsoft.com/office/drawing/2014/main" xmlns="" id="{3094A0E7-7E3B-423D-9A8E-6F5A28E2F4A5}"/>
+                <a16:creationId xmlns:a16="http://schemas.microsoft.com/office/drawing/2014/main" id="{3094A0E7-7E3B-423D-9A8E-6F5A28E2F4A5}"/>
               </a:ext>
             </a:extLst>
           </p:cNvPr>
@@ -13978,7 +13941,7 @@
           <p:cNvPr id="11" name="群組 10">
             <a:extLst>
               <a:ext uri="{FF2B5EF4-FFF2-40B4-BE49-F238E27FC236}">
-                <a16:creationId xmlns:a16="http://schemas.microsoft.com/office/drawing/2014/main" xmlns="" id="{4BB5AA7C-B221-426C-BF26-FBC1CF3B48F1}"/>
+                <a16:creationId xmlns:a16="http://schemas.microsoft.com/office/drawing/2014/main" id="{4BB5AA7C-B221-426C-BF26-FBC1CF3B48F1}"/>
               </a:ext>
             </a:extLst>
           </p:cNvPr>
@@ -13998,7 +13961,7 @@
             <p:cNvPr id="12" name="文字方塊 11">
               <a:extLst>
                 <a:ext uri="{FF2B5EF4-FFF2-40B4-BE49-F238E27FC236}">
-                  <a16:creationId xmlns:a16="http://schemas.microsoft.com/office/drawing/2014/main" xmlns="" id="{2E488FAC-3402-492F-9EC7-B62AFD39D66C}"/>
+                  <a16:creationId xmlns:a16="http://schemas.microsoft.com/office/drawing/2014/main" id="{2E488FAC-3402-492F-9EC7-B62AFD39D66C}"/>
                 </a:ext>
               </a:extLst>
             </p:cNvPr>
@@ -14040,7 +14003,7 @@
             <p:cNvPr id="13" name="直線單箭頭接點 12">
               <a:extLst>
                 <a:ext uri="{FF2B5EF4-FFF2-40B4-BE49-F238E27FC236}">
-                  <a16:creationId xmlns:a16="http://schemas.microsoft.com/office/drawing/2014/main" xmlns="" id="{CD50C43A-3B1D-48C5-9215-445F2449CBC6}"/>
+                  <a16:creationId xmlns:a16="http://schemas.microsoft.com/office/drawing/2014/main" id="{CD50C43A-3B1D-48C5-9215-445F2449CBC6}"/>
                 </a:ext>
               </a:extLst>
             </p:cNvPr>
@@ -14085,7 +14048,7 @@
           <p:cNvPr id="14" name="群組 13">
             <a:extLst>
               <a:ext uri="{FF2B5EF4-FFF2-40B4-BE49-F238E27FC236}">
-                <a16:creationId xmlns:a16="http://schemas.microsoft.com/office/drawing/2014/main" xmlns="" id="{E086F44D-9AE1-46E2-8E52-101B3239A57A}"/>
+                <a16:creationId xmlns:a16="http://schemas.microsoft.com/office/drawing/2014/main" id="{E086F44D-9AE1-46E2-8E52-101B3239A57A}"/>
               </a:ext>
             </a:extLst>
           </p:cNvPr>
@@ -14105,7 +14068,7 @@
             <p:cNvPr id="15" name="文字方塊 14">
               <a:extLst>
                 <a:ext uri="{FF2B5EF4-FFF2-40B4-BE49-F238E27FC236}">
-                  <a16:creationId xmlns:a16="http://schemas.microsoft.com/office/drawing/2014/main" xmlns="" id="{EBC7B8FC-A6CF-485D-A713-F66E870AA6B3}"/>
+                  <a16:creationId xmlns:a16="http://schemas.microsoft.com/office/drawing/2014/main" id="{EBC7B8FC-A6CF-485D-A713-F66E870AA6B3}"/>
                 </a:ext>
               </a:extLst>
             </p:cNvPr>
@@ -14147,7 +14110,7 @@
             <p:cNvPr id="16" name="直線單箭頭接點 15">
               <a:extLst>
                 <a:ext uri="{FF2B5EF4-FFF2-40B4-BE49-F238E27FC236}">
-                  <a16:creationId xmlns:a16="http://schemas.microsoft.com/office/drawing/2014/main" xmlns="" id="{112243ED-D0EC-4183-8739-C5153E68B8AF}"/>
+                  <a16:creationId xmlns:a16="http://schemas.microsoft.com/office/drawing/2014/main" id="{112243ED-D0EC-4183-8739-C5153E68B8AF}"/>
                 </a:ext>
               </a:extLst>
             </p:cNvPr>
@@ -14192,7 +14155,7 @@
           <p:cNvPr id="17" name="群組 16">
             <a:extLst>
               <a:ext uri="{FF2B5EF4-FFF2-40B4-BE49-F238E27FC236}">
-                <a16:creationId xmlns:a16="http://schemas.microsoft.com/office/drawing/2014/main" xmlns="" id="{8CAEBAE9-2502-4FC7-B9CD-1A74F9D6C868}"/>
+                <a16:creationId xmlns:a16="http://schemas.microsoft.com/office/drawing/2014/main" id="{8CAEBAE9-2502-4FC7-B9CD-1A74F9D6C868}"/>
               </a:ext>
             </a:extLst>
           </p:cNvPr>
@@ -14212,7 +14175,7 @@
             <p:cNvPr id="18" name="文字方塊 17">
               <a:extLst>
                 <a:ext uri="{FF2B5EF4-FFF2-40B4-BE49-F238E27FC236}">
-                  <a16:creationId xmlns:a16="http://schemas.microsoft.com/office/drawing/2014/main" xmlns="" id="{51256688-6ABD-40D5-BE7A-B8FA709C4DD9}"/>
+                  <a16:creationId xmlns:a16="http://schemas.microsoft.com/office/drawing/2014/main" id="{51256688-6ABD-40D5-BE7A-B8FA709C4DD9}"/>
                 </a:ext>
               </a:extLst>
             </p:cNvPr>
@@ -14254,7 +14217,7 @@
             <p:cNvPr id="19" name="直線單箭頭接點 18">
               <a:extLst>
                 <a:ext uri="{FF2B5EF4-FFF2-40B4-BE49-F238E27FC236}">
-                  <a16:creationId xmlns:a16="http://schemas.microsoft.com/office/drawing/2014/main" xmlns="" id="{A4FD6724-1B8D-47B6-BAAD-4EFFC22512A3}"/>
+                  <a16:creationId xmlns:a16="http://schemas.microsoft.com/office/drawing/2014/main" id="{A4FD6724-1B8D-47B6-BAAD-4EFFC22512A3}"/>
                 </a:ext>
               </a:extLst>
             </p:cNvPr>
@@ -14299,7 +14262,7 @@
           <p:cNvPr id="20" name="群組 19">
             <a:extLst>
               <a:ext uri="{FF2B5EF4-FFF2-40B4-BE49-F238E27FC236}">
-                <a16:creationId xmlns:a16="http://schemas.microsoft.com/office/drawing/2014/main" xmlns="" id="{137A59CB-7DEF-49AC-B0A6-FA3BD7739CC2}"/>
+                <a16:creationId xmlns:a16="http://schemas.microsoft.com/office/drawing/2014/main" id="{137A59CB-7DEF-49AC-B0A6-FA3BD7739CC2}"/>
               </a:ext>
             </a:extLst>
           </p:cNvPr>
@@ -14319,7 +14282,7 @@
             <p:cNvPr id="21" name="文字方塊 20">
               <a:extLst>
                 <a:ext uri="{FF2B5EF4-FFF2-40B4-BE49-F238E27FC236}">
-                  <a16:creationId xmlns:a16="http://schemas.microsoft.com/office/drawing/2014/main" xmlns="" id="{36AB2119-F26A-4E31-AA32-64713F664D5B}"/>
+                  <a16:creationId xmlns:a16="http://schemas.microsoft.com/office/drawing/2014/main" id="{36AB2119-F26A-4E31-AA32-64713F664D5B}"/>
                 </a:ext>
               </a:extLst>
             </p:cNvPr>
@@ -14361,7 +14324,7 @@
             <p:cNvPr id="22" name="直線單箭頭接點 21">
               <a:extLst>
                 <a:ext uri="{FF2B5EF4-FFF2-40B4-BE49-F238E27FC236}">
-                  <a16:creationId xmlns:a16="http://schemas.microsoft.com/office/drawing/2014/main" xmlns="" id="{8AAD789E-60E1-4ADA-AA2A-A09FE6608D7E}"/>
+                  <a16:creationId xmlns:a16="http://schemas.microsoft.com/office/drawing/2014/main" id="{8AAD789E-60E1-4ADA-AA2A-A09FE6608D7E}"/>
                 </a:ext>
               </a:extLst>
             </p:cNvPr>
@@ -14406,7 +14369,7 @@
           <p:cNvPr id="23" name="文字方塊 22">
             <a:extLst>
               <a:ext uri="{FF2B5EF4-FFF2-40B4-BE49-F238E27FC236}">
-                <a16:creationId xmlns:a16="http://schemas.microsoft.com/office/drawing/2014/main" xmlns="" id="{3023A58D-F073-4C9F-973B-53546268118D}"/>
+                <a16:creationId xmlns:a16="http://schemas.microsoft.com/office/drawing/2014/main" id="{3023A58D-F073-4C9F-973B-53546268118D}"/>
               </a:ext>
             </a:extLst>
           </p:cNvPr>
@@ -14455,7 +14418,7 @@
           <p:cNvPr id="37" name="直線單箭頭接點 36">
             <a:extLst>
               <a:ext uri="{FF2B5EF4-FFF2-40B4-BE49-F238E27FC236}">
-                <a16:creationId xmlns:a16="http://schemas.microsoft.com/office/drawing/2014/main" xmlns="" id="{85B19849-10A7-4817-86B3-6F6304AC9A86}"/>
+                <a16:creationId xmlns:a16="http://schemas.microsoft.com/office/drawing/2014/main" id="{85B19849-10A7-4817-86B3-6F6304AC9A86}"/>
               </a:ext>
             </a:extLst>
           </p:cNvPr>
@@ -14499,7 +14462,7 @@
           <p:cNvPr id="38" name="直線單箭頭接點 37">
             <a:extLst>
               <a:ext uri="{FF2B5EF4-FFF2-40B4-BE49-F238E27FC236}">
-                <a16:creationId xmlns:a16="http://schemas.microsoft.com/office/drawing/2014/main" xmlns="" id="{E472B6A0-978F-484F-AFD6-C3F985C3F678}"/>
+                <a16:creationId xmlns:a16="http://schemas.microsoft.com/office/drawing/2014/main" id="{E472B6A0-978F-484F-AFD6-C3F985C3F678}"/>
               </a:ext>
             </a:extLst>
           </p:cNvPr>
@@ -14543,7 +14506,7 @@
           <p:cNvPr id="39" name="直線單箭頭接點 38">
             <a:extLst>
               <a:ext uri="{FF2B5EF4-FFF2-40B4-BE49-F238E27FC236}">
-                <a16:creationId xmlns:a16="http://schemas.microsoft.com/office/drawing/2014/main" xmlns="" id="{C57DFB37-F293-4538-A27A-D2710E898852}"/>
+                <a16:creationId xmlns:a16="http://schemas.microsoft.com/office/drawing/2014/main" id="{C57DFB37-F293-4538-A27A-D2710E898852}"/>
               </a:ext>
             </a:extLst>
           </p:cNvPr>
@@ -14587,7 +14550,7 @@
           <p:cNvPr id="40" name="直線單箭頭接點 39">
             <a:extLst>
               <a:ext uri="{FF2B5EF4-FFF2-40B4-BE49-F238E27FC236}">
-                <a16:creationId xmlns:a16="http://schemas.microsoft.com/office/drawing/2014/main" xmlns="" id="{7DAD676B-B24F-4CB9-97F9-9D23A01ADFD8}"/>
+                <a16:creationId xmlns:a16="http://schemas.microsoft.com/office/drawing/2014/main" id="{7DAD676B-B24F-4CB9-97F9-9D23A01ADFD8}"/>
               </a:ext>
             </a:extLst>
           </p:cNvPr>
@@ -14631,7 +14594,7 @@
           <p:cNvPr id="41" name="矩形 40">
             <a:extLst>
               <a:ext uri="{FF2B5EF4-FFF2-40B4-BE49-F238E27FC236}">
-                <a16:creationId xmlns:a16="http://schemas.microsoft.com/office/drawing/2014/main" xmlns="" id="{B4108FF0-AD7E-460E-9E73-61EC53BBED72}"/>
+                <a16:creationId xmlns:a16="http://schemas.microsoft.com/office/drawing/2014/main" id="{B4108FF0-AD7E-460E-9E73-61EC53BBED72}"/>
               </a:ext>
             </a:extLst>
           </p:cNvPr>
@@ -14679,7 +14642,7 @@
           <p:cNvPr id="42" name="矩形 41">
             <a:extLst>
               <a:ext uri="{FF2B5EF4-FFF2-40B4-BE49-F238E27FC236}">
-                <a16:creationId xmlns:a16="http://schemas.microsoft.com/office/drawing/2014/main" xmlns="" id="{B3EAED44-2478-4A0F-AA99-5D1279E2FCA9}"/>
+                <a16:creationId xmlns:a16="http://schemas.microsoft.com/office/drawing/2014/main" id="{B3EAED44-2478-4A0F-AA99-5D1279E2FCA9}"/>
               </a:ext>
             </a:extLst>
           </p:cNvPr>
@@ -14727,7 +14690,7 @@
           <p:cNvPr id="43" name="矩形 42">
             <a:extLst>
               <a:ext uri="{FF2B5EF4-FFF2-40B4-BE49-F238E27FC236}">
-                <a16:creationId xmlns:a16="http://schemas.microsoft.com/office/drawing/2014/main" xmlns="" id="{9E9D52E7-A217-4850-BEE6-6B0CAAC5AA8A}"/>
+                <a16:creationId xmlns:a16="http://schemas.microsoft.com/office/drawing/2014/main" id="{9E9D52E7-A217-4850-BEE6-6B0CAAC5AA8A}"/>
               </a:ext>
             </a:extLst>
           </p:cNvPr>
@@ -14775,7 +14738,7 @@
           <p:cNvPr id="44" name="矩形 43">
             <a:extLst>
               <a:ext uri="{FF2B5EF4-FFF2-40B4-BE49-F238E27FC236}">
-                <a16:creationId xmlns:a16="http://schemas.microsoft.com/office/drawing/2014/main" xmlns="" id="{39610AA1-701B-489C-8707-64A108DE9BD6}"/>
+                <a16:creationId xmlns:a16="http://schemas.microsoft.com/office/drawing/2014/main" id="{39610AA1-701B-489C-8707-64A108DE9BD6}"/>
               </a:ext>
             </a:extLst>
           </p:cNvPr>
@@ -14823,7 +14786,7 @@
           <p:cNvPr id="10" name="文字方塊 9">
             <a:extLst>
               <a:ext uri="{FF2B5EF4-FFF2-40B4-BE49-F238E27FC236}">
-                <a16:creationId xmlns:a16="http://schemas.microsoft.com/office/drawing/2014/main" xmlns="" id="{339D6419-0265-4EF6-BCD2-624551EB909B}"/>
+                <a16:creationId xmlns:a16="http://schemas.microsoft.com/office/drawing/2014/main" id="{339D6419-0265-4EF6-BCD2-624551EB909B}"/>
               </a:ext>
             </a:extLst>
           </p:cNvPr>
@@ -14868,7 +14831,7 @@
           <p:cNvPr id="46" name="文字方塊 45">
             <a:extLst>
               <a:ext uri="{FF2B5EF4-FFF2-40B4-BE49-F238E27FC236}">
-                <a16:creationId xmlns:a16="http://schemas.microsoft.com/office/drawing/2014/main" xmlns="" id="{472A641E-FC17-4BF1-9537-C289EB7CF380}"/>
+                <a16:creationId xmlns:a16="http://schemas.microsoft.com/office/drawing/2014/main" id="{472A641E-FC17-4BF1-9537-C289EB7CF380}"/>
               </a:ext>
             </a:extLst>
           </p:cNvPr>
@@ -14935,11 +14898,11 @@
           <a:lstStyle/>
           <a:p>
             <a:r>
-              <a:rPr lang="en-US" altLang="zh-TW" dirty="0" smtClean="0"/>
+              <a:rPr lang="en-US" altLang="zh-TW" dirty="0"/>
               <a:t>Ref:</a:t>
             </a:r>
             <a:r>
-              <a:rPr lang="zh-TW" altLang="en-US" dirty="0" smtClean="0">
+              <a:rPr lang="zh-TW" altLang="en-US" dirty="0">
                 <a:latin typeface="微軟正黑體" panose="020B0604030504040204" pitchFamily="34" charset="-120"/>
                 <a:ea typeface="微軟正黑體" panose="020B0604030504040204" pitchFamily="34" charset="-120"/>
               </a:rPr>
@@ -14966,13 +14929,6 @@
   <p:clrMapOvr>
     <a:masterClrMapping/>
   </p:clrMapOvr>
-  <p:timing>
-    <p:tnLst>
-      <p:par>
-        <p:cTn id="1" dur="indefinite" restart="never" nodeType="tmRoot"/>
-      </p:par>
-    </p:tnLst>
-  </p:timing>
 </p:sld>
 </file>
 
@@ -15009,20 +14965,16 @@
           <a:lstStyle/>
           <a:p>
             <a:r>
-              <a:rPr lang="en-US" altLang="zh-CN" smtClean="0"/>
+              <a:rPr lang="en-US" altLang="zh-CN"/>
               <a:t>www.islide</a:t>
             </a:r>
             <a:r>
-              <a:rPr lang="en-US" altLang="zh-CN" sz="100" smtClean="0"/>
+              <a:rPr lang="en-US" altLang="zh-CN" sz="100"/>
               <a:t> </a:t>
             </a:r>
             <a:r>
-              <a:rPr lang="en-US" altLang="zh-CN" smtClean="0"/>
-              <a:t>.</a:t>
-            </a:r>
-            <a:r>
-              <a:rPr lang="en-US" altLang="zh-CN" smtClean="0"/>
-              <a:t>cc</a:t>
+              <a:rPr lang="en-US" altLang="zh-CN"/>
+              <a:t>.cc</a:t>
             </a:r>
             <a:endParaRPr lang="zh-CN" altLang="en-US" dirty="0"/>
           </a:p>
@@ -15068,20 +15020,12 @@
           <a:lstStyle/>
           <a:p>
             <a:r>
-              <a:rPr lang="en-US" altLang="zh-TW" dirty="0" smtClean="0"/>
-              <a:t>BERT </a:t>
-            </a:r>
-            <a:r>
               <a:rPr lang="en-US" altLang="zh-TW" dirty="0"/>
-              <a:t>Model - </a:t>
+              <a:t>BERT Model - </a:t>
             </a:r>
             <a:r>
               <a:rPr lang="zh-TW" altLang="en-US" dirty="0"/>
-              <a:t>訓練</a:t>
-            </a:r>
-            <a:r>
-              <a:rPr lang="zh-TW" altLang="en-US" dirty="0" smtClean="0"/>
-              <a:t>流程</a:t>
+              <a:t>訓練流程</a:t>
             </a:r>
             <a:endParaRPr lang="en-US" altLang="zh-TW" dirty="0"/>
           </a:p>
@@ -15104,14 +15048,10 @@
           <a:p>
             <a:r>
               <a:rPr lang="zh-TW" altLang="en-US" sz="2000" b="1" dirty="0"/>
-              <a:t>模型</a:t>
-            </a:r>
-            <a:r>
-              <a:rPr lang="zh-TW" altLang="en-US" sz="2000" b="1" dirty="0" smtClean="0"/>
-              <a:t>輸入</a:t>
-            </a:r>
-            <a:r>
-              <a:rPr lang="en-US" altLang="zh-TW" sz="2000" b="1" dirty="0" smtClean="0"/>
+              <a:t>模型輸入</a:t>
+            </a:r>
+            <a:r>
+              <a:rPr lang="en-US" altLang="zh-TW" sz="2000" b="1" dirty="0"/>
               <a:t>:</a:t>
             </a:r>
           </a:p>
@@ -15142,22 +15082,14 @@
             </a:r>
             <a:r>
               <a:rPr lang="zh-TW" altLang="en-US" sz="1600" dirty="0"/>
-              <a:t>個向量</a:t>
-            </a:r>
-            <a:r>
-              <a:rPr lang="zh-TW" altLang="en-US" sz="1600" dirty="0" smtClean="0"/>
-              <a:t>。</a:t>
-            </a:r>
-            <a:endParaRPr lang="en-US" altLang="zh-TW" sz="1600" dirty="0" smtClean="0"/>
-          </a:p>
-          <a:p>
-            <a:r>
-              <a:rPr lang="zh-TW" altLang="en-US" sz="1600" dirty="0" smtClean="0"/>
-              <a:t>它們</a:t>
-            </a:r>
+              <a:t>個向量。</a:t>
+            </a:r>
+            <a:endParaRPr lang="en-US" altLang="zh-TW" sz="1600" dirty="0"/>
+          </a:p>
+          <a:p>
             <a:r>
               <a:rPr lang="zh-TW" altLang="en-US" sz="1600" dirty="0"/>
-              <a:t>分別是</a:t>
+              <a:t>它們分別是</a:t>
             </a:r>
             <a:r>
               <a:rPr lang="en-US" altLang="zh-TW" sz="1600" dirty="0"/>
@@ -15181,13 +15113,8 @@
             </a:r>
             <a:r>
               <a:rPr lang="zh-TW" altLang="en-US" sz="1600" dirty="0"/>
-              <a:t>，具體的含義</a:t>
-            </a:r>
-            <a:r>
-              <a:rPr lang="zh-TW" altLang="en-US" sz="1600" dirty="0" smtClean="0"/>
-              <a:t>：</a:t>
-            </a:r>
-            <a:endParaRPr lang="zh-TW" altLang="en-US" sz="1600" dirty="0"/>
+              <a:t>，具體的含義：</a:t>
+            </a:r>
           </a:p>
           <a:p>
             <a:pPr lvl="1"/>
@@ -15231,13 +15158,9 @@
             </a:r>
             <a:r>
               <a:rPr lang="zh-TW" altLang="en-US" sz="1400" dirty="0"/>
-              <a:t>：位置向量，指明每個字在句中的位置</a:t>
-            </a:r>
-            <a:r>
-              <a:rPr lang="zh-TW" altLang="en-US" sz="1400" dirty="0" smtClean="0"/>
-              <a:t>。</a:t>
-            </a:r>
-            <a:endParaRPr lang="en-US" altLang="zh-TW" sz="1400" dirty="0" smtClean="0"/>
+              <a:t>：位置向量，指明每個字在句中的位置。</a:t>
+            </a:r>
+            <a:endParaRPr lang="en-US" altLang="zh-TW" sz="1400" dirty="0"/>
           </a:p>
           <a:p>
             <a:endParaRPr lang="zh-TW" altLang="en-US" sz="1600" dirty="0"/>
@@ -15253,41 +15176,37 @@
             </a:r>
             <a:r>
               <a:rPr lang="zh-TW" altLang="en-US" sz="1600" dirty="0"/>
-              <a:t>這里有兩種求法，一種是有相應的三角函數公式得出的，這種是絕對向量；還有一種是學習得到的，這種是相對</a:t>
-            </a:r>
-            <a:r>
-              <a:rPr lang="zh-TW" altLang="en-US" sz="1600" dirty="0" smtClean="0"/>
-              <a:t>向量</a:t>
+              <a:t>這里有兩種求法，一種是有相應的三角函數公式得出的，這種是絕對向量；還有一種是學習得到的，這種是相對向量</a:t>
             </a:r>
             <a:endParaRPr lang="en-US" altLang="zh-TW" sz="1600" dirty="0"/>
           </a:p>
           <a:p>
             <a:r>
-              <a:rPr lang="en-US" altLang="zh-TW" sz="1600" dirty="0" smtClean="0"/>
+              <a:rPr lang="en-US" altLang="zh-TW" sz="1600" dirty="0"/>
               <a:t>(</a:t>
             </a:r>
             <a:r>
-              <a:rPr lang="zh-TW" altLang="en-US" sz="1600" dirty="0" smtClean="0"/>
+              <a:rPr lang="zh-TW" altLang="en-US" sz="1600" dirty="0"/>
               <a:t>預設維之前的</a:t>
             </a:r>
             <a:r>
-              <a:rPr lang="en-US" altLang="zh-TW" sz="1600" dirty="0" smtClean="0"/>
+              <a:rPr lang="en-US" altLang="zh-TW" sz="1600" dirty="0"/>
               <a:t>transformer model </a:t>
             </a:r>
             <a:r>
-              <a:rPr lang="zh-TW" altLang="en-US" sz="1600" dirty="0" smtClean="0"/>
+              <a:rPr lang="zh-TW" altLang="en-US" sz="1600" dirty="0"/>
               <a:t>的 </a:t>
             </a:r>
             <a:r>
-              <a:rPr lang="en-US" altLang="zh-TW" sz="1600" dirty="0" smtClean="0"/>
+              <a:rPr lang="en-US" altLang="zh-TW" sz="1600" dirty="0"/>
               <a:t>position encoding</a:t>
             </a:r>
             <a:r>
-              <a:rPr lang="zh-TW" altLang="en-US" sz="1600" dirty="0" smtClean="0"/>
+              <a:rPr lang="zh-TW" altLang="en-US" sz="1600" dirty="0"/>
               <a:t> 三角函數</a:t>
             </a:r>
             <a:r>
-              <a:rPr lang="en-US" altLang="zh-TW" sz="1600" dirty="0" smtClean="0"/>
+              <a:rPr lang="en-US" altLang="zh-TW" sz="1600" dirty="0"/>
               <a:t>)</a:t>
             </a:r>
             <a:endParaRPr lang="zh-TW" altLang="en-US" sz="1600" dirty="0"/>
@@ -15310,13 +15229,6 @@
   <p:clrMapOvr>
     <a:masterClrMapping/>
   </p:clrMapOvr>
-  <p:timing>
-    <p:tnLst>
-      <p:par>
-        <p:cTn id="1" dur="indefinite" restart="never" nodeType="tmRoot"/>
-      </p:par>
-    </p:tnLst>
-  </p:timing>
 </p:sld>
 </file>
 
@@ -15353,20 +15265,16 @@
           <a:lstStyle/>
           <a:p>
             <a:r>
-              <a:rPr lang="en-US" altLang="zh-CN" smtClean="0"/>
+              <a:rPr lang="en-US" altLang="zh-CN"/>
               <a:t>www.islide</a:t>
             </a:r>
             <a:r>
-              <a:rPr lang="en-US" altLang="zh-CN" sz="100" smtClean="0"/>
+              <a:rPr lang="en-US" altLang="zh-CN" sz="100"/>
               <a:t> </a:t>
             </a:r>
             <a:r>
-              <a:rPr lang="en-US" altLang="zh-CN" smtClean="0"/>
-              <a:t>.</a:t>
-            </a:r>
-            <a:r>
-              <a:rPr lang="en-US" altLang="zh-CN" smtClean="0"/>
-              <a:t>cc</a:t>
+              <a:rPr lang="en-US" altLang="zh-CN"/>
+              <a:t>.cc</a:t>
             </a:r>
             <a:endParaRPr lang="zh-CN" altLang="en-US" dirty="0"/>
           </a:p>
@@ -15412,20 +15320,12 @@
           <a:lstStyle/>
           <a:p>
             <a:r>
-              <a:rPr lang="en-US" altLang="zh-TW" dirty="0" smtClean="0"/>
-              <a:t>BERT </a:t>
-            </a:r>
-            <a:r>
               <a:rPr lang="en-US" altLang="zh-TW" dirty="0"/>
-              <a:t>Model - </a:t>
+              <a:t>BERT Model - </a:t>
             </a:r>
             <a:r>
               <a:rPr lang="zh-TW" altLang="en-US" dirty="0"/>
-              <a:t>訓練</a:t>
-            </a:r>
-            <a:r>
-              <a:rPr lang="zh-TW" altLang="en-US" dirty="0" smtClean="0"/>
-              <a:t>流程</a:t>
+              <a:t>訓練流程</a:t>
             </a:r>
             <a:endParaRPr lang="en-US" altLang="zh-TW" dirty="0"/>
           </a:p>
@@ -15448,26 +15348,17 @@
           <a:p>
             <a:r>
               <a:rPr lang="zh-TW" altLang="en-US" sz="2000" dirty="0"/>
-              <a:t>這個過程包括兩個</a:t>
-            </a:r>
-            <a:r>
-              <a:rPr lang="zh-TW" altLang="en-US" sz="2000" dirty="0" smtClean="0"/>
-              <a:t>任務</a:t>
+              <a:t>這個過程包括兩個任務</a:t>
             </a:r>
             <a:r>
               <a:rPr lang="en-US" altLang="zh-TW" sz="2000" dirty="0"/>
               <a:t>:</a:t>
             </a:r>
-            <a:endParaRPr lang="en-US" altLang="zh-TW" sz="2000" dirty="0" smtClean="0"/>
-          </a:p>
-          <a:p>
-            <a:r>
-              <a:rPr lang="zh-TW" altLang="en-US" sz="2000" dirty="0" smtClean="0"/>
-              <a:t>一個</a:t>
-            </a:r>
+          </a:p>
+          <a:p>
             <a:r>
               <a:rPr lang="zh-TW" altLang="en-US" sz="2000" dirty="0"/>
-              <a:t>是</a:t>
+              <a:t>一個是</a:t>
             </a:r>
             <a:r>
               <a:rPr lang="en-US" altLang="zh-TW" sz="2000" dirty="0"/>
@@ -15498,10 +15389,10 @@
               <a:t>)</a:t>
             </a:r>
             <a:r>
-              <a:rPr lang="zh-TW" altLang="en-US" sz="2000" dirty="0" smtClean="0"/>
+              <a:rPr lang="zh-TW" altLang="en-US" sz="2000" dirty="0"/>
               <a:t>。</a:t>
             </a:r>
-            <a:endParaRPr lang="en-US" altLang="zh-TW" sz="2000" dirty="0" smtClean="0"/>
+            <a:endParaRPr lang="en-US" altLang="zh-TW" sz="2000" dirty="0"/>
           </a:p>
           <a:p>
             <a:endParaRPr lang="zh-TW" altLang="en-US" sz="2000" dirty="0"/>
@@ -15529,13 +15420,9 @@
             </a:r>
             <a:r>
               <a:rPr lang="zh-TW" altLang="en-US" sz="2000" dirty="0"/>
-              <a:t>的詞遮掩掉，來學習詞和詞之間的一些規律</a:t>
-            </a:r>
-            <a:r>
-              <a:rPr lang="zh-TW" altLang="en-US" sz="2000" dirty="0" smtClean="0"/>
-              <a:t>；</a:t>
-            </a:r>
-            <a:endParaRPr lang="en-US" altLang="zh-TW" sz="2000" dirty="0" smtClean="0"/>
+              <a:t>的詞遮掩掉，來學習詞和詞之間的一些規律；</a:t>
+            </a:r>
+            <a:endParaRPr lang="en-US" altLang="zh-TW" sz="2000" dirty="0"/>
           </a:p>
           <a:p>
             <a:endParaRPr lang="zh-TW" altLang="en-US" sz="2000" dirty="0"/>
@@ -15555,13 +15442,9 @@
             </a:r>
             <a:r>
               <a:rPr lang="zh-TW" altLang="en-US" sz="2000" dirty="0"/>
-              <a:t>個句子之間的關系規律</a:t>
-            </a:r>
-            <a:r>
-              <a:rPr lang="zh-TW" altLang="en-US" sz="2000" dirty="0" smtClean="0"/>
-              <a:t>。</a:t>
-            </a:r>
-            <a:endParaRPr lang="en-US" altLang="zh-TW" sz="2000" dirty="0" smtClean="0"/>
+              <a:t>個句子之間的關系規律。</a:t>
+            </a:r>
+            <a:endParaRPr lang="en-US" altLang="zh-TW" sz="2000" dirty="0"/>
           </a:p>
           <a:p>
             <a:endParaRPr lang="zh-TW" altLang="en-US" sz="2000" dirty="0"/>
@@ -15630,13 +15513,6 @@
   <p:clrMapOvr>
     <a:masterClrMapping/>
   </p:clrMapOvr>
-  <p:timing>
-    <p:tnLst>
-      <p:par>
-        <p:cTn id="1" dur="indefinite" restart="never" nodeType="tmRoot"/>
-      </p:par>
-    </p:tnLst>
-  </p:timing>
 </p:sld>
 </file>
 
@@ -15662,7 +15538,7 @@
           <p:cNvPr id="2" name="標題 1">
             <a:extLst>
               <a:ext uri="{FF2B5EF4-FFF2-40B4-BE49-F238E27FC236}">
-                <a16:creationId xmlns:a16="http://schemas.microsoft.com/office/drawing/2014/main" xmlns="" id="{5CB188E1-320D-4E8D-AE15-09F8BD103530}"/>
+                <a16:creationId xmlns:a16="http://schemas.microsoft.com/office/drawing/2014/main" id="{5CB188E1-320D-4E8D-AE15-09F8BD103530}"/>
               </a:ext>
             </a:extLst>
           </p:cNvPr>
@@ -15691,7 +15567,7 @@
           <p:cNvPr id="3" name="內容版面配置區 2">
             <a:extLst>
               <a:ext uri="{FF2B5EF4-FFF2-40B4-BE49-F238E27FC236}">
-                <a16:creationId xmlns:a16="http://schemas.microsoft.com/office/drawing/2014/main" xmlns="" id="{8C38AACA-9448-4112-918C-33F23913AEFA}"/>
+                <a16:creationId xmlns:a16="http://schemas.microsoft.com/office/drawing/2014/main" id="{8C38AACA-9448-4112-918C-33F23913AEFA}"/>
               </a:ext>
             </a:extLst>
           </p:cNvPr>
@@ -15734,7 +15610,7 @@
           <p:cNvPr id="4" name="矩形: 圓角 3">
             <a:extLst>
               <a:ext uri="{FF2B5EF4-FFF2-40B4-BE49-F238E27FC236}">
-                <a16:creationId xmlns:a16="http://schemas.microsoft.com/office/drawing/2014/main" xmlns="" id="{5235E1AE-E189-47AE-B913-42EBEF800A0C}"/>
+                <a16:creationId xmlns:a16="http://schemas.microsoft.com/office/drawing/2014/main" id="{5235E1AE-E189-47AE-B913-42EBEF800A0C}"/>
               </a:ext>
             </a:extLst>
           </p:cNvPr>
@@ -15795,7 +15671,7 @@
           <p:cNvPr id="5" name="群組 4">
             <a:extLst>
               <a:ext uri="{FF2B5EF4-FFF2-40B4-BE49-F238E27FC236}">
-                <a16:creationId xmlns:a16="http://schemas.microsoft.com/office/drawing/2014/main" xmlns="" id="{D1A109FA-15AA-466B-A622-EB1D537D27EF}"/>
+                <a16:creationId xmlns:a16="http://schemas.microsoft.com/office/drawing/2014/main" id="{D1A109FA-15AA-466B-A622-EB1D537D27EF}"/>
               </a:ext>
             </a:extLst>
           </p:cNvPr>
@@ -15815,7 +15691,7 @@
             <p:cNvPr id="6" name="文字方塊 5">
               <a:extLst>
                 <a:ext uri="{FF2B5EF4-FFF2-40B4-BE49-F238E27FC236}">
-                  <a16:creationId xmlns:a16="http://schemas.microsoft.com/office/drawing/2014/main" xmlns="" id="{B02A9DA7-42C8-4728-97C7-7B9959ED093D}"/>
+                  <a16:creationId xmlns:a16="http://schemas.microsoft.com/office/drawing/2014/main" id="{B02A9DA7-42C8-4728-97C7-7B9959ED093D}"/>
                 </a:ext>
               </a:extLst>
             </p:cNvPr>
@@ -15857,7 +15733,7 @@
             <p:cNvPr id="7" name="直線單箭頭接點 6">
               <a:extLst>
                 <a:ext uri="{FF2B5EF4-FFF2-40B4-BE49-F238E27FC236}">
-                  <a16:creationId xmlns:a16="http://schemas.microsoft.com/office/drawing/2014/main" xmlns="" id="{BA511B26-2E18-420D-9FF7-7580722C89D9}"/>
+                  <a16:creationId xmlns:a16="http://schemas.microsoft.com/office/drawing/2014/main" id="{BA511B26-2E18-420D-9FF7-7580722C89D9}"/>
                 </a:ext>
               </a:extLst>
             </p:cNvPr>
@@ -15902,7 +15778,7 @@
           <p:cNvPr id="8" name="群組 7">
             <a:extLst>
               <a:ext uri="{FF2B5EF4-FFF2-40B4-BE49-F238E27FC236}">
-                <a16:creationId xmlns:a16="http://schemas.microsoft.com/office/drawing/2014/main" xmlns="" id="{44E97FA8-4882-4C0A-AC01-2C8A82CA5023}"/>
+                <a16:creationId xmlns:a16="http://schemas.microsoft.com/office/drawing/2014/main" id="{44E97FA8-4882-4C0A-AC01-2C8A82CA5023}"/>
               </a:ext>
             </a:extLst>
           </p:cNvPr>
@@ -15922,7 +15798,7 @@
             <p:cNvPr id="9" name="文字方塊 8">
               <a:extLst>
                 <a:ext uri="{FF2B5EF4-FFF2-40B4-BE49-F238E27FC236}">
-                  <a16:creationId xmlns:a16="http://schemas.microsoft.com/office/drawing/2014/main" xmlns="" id="{DAC6E8BF-F9C1-45DC-851C-0E224D3843DA}"/>
+                  <a16:creationId xmlns:a16="http://schemas.microsoft.com/office/drawing/2014/main" id="{DAC6E8BF-F9C1-45DC-851C-0E224D3843DA}"/>
                 </a:ext>
               </a:extLst>
             </p:cNvPr>
@@ -15964,7 +15840,7 @@
             <p:cNvPr id="10" name="直線單箭頭接點 9">
               <a:extLst>
                 <a:ext uri="{FF2B5EF4-FFF2-40B4-BE49-F238E27FC236}">
-                  <a16:creationId xmlns:a16="http://schemas.microsoft.com/office/drawing/2014/main" xmlns="" id="{5030E44D-E8AE-4606-B71B-3D7400B1FCC2}"/>
+                  <a16:creationId xmlns:a16="http://schemas.microsoft.com/office/drawing/2014/main" id="{5030E44D-E8AE-4606-B71B-3D7400B1FCC2}"/>
                 </a:ext>
               </a:extLst>
             </p:cNvPr>
@@ -16009,7 +15885,7 @@
           <p:cNvPr id="11" name="群組 10">
             <a:extLst>
               <a:ext uri="{FF2B5EF4-FFF2-40B4-BE49-F238E27FC236}">
-                <a16:creationId xmlns:a16="http://schemas.microsoft.com/office/drawing/2014/main" xmlns="" id="{C37A26BD-17C1-4864-9FF7-AD8F4CE3BD2E}"/>
+                <a16:creationId xmlns:a16="http://schemas.microsoft.com/office/drawing/2014/main" id="{C37A26BD-17C1-4864-9FF7-AD8F4CE3BD2E}"/>
               </a:ext>
             </a:extLst>
           </p:cNvPr>
@@ -16029,7 +15905,7 @@
             <p:cNvPr id="12" name="文字方塊 11">
               <a:extLst>
                 <a:ext uri="{FF2B5EF4-FFF2-40B4-BE49-F238E27FC236}">
-                  <a16:creationId xmlns:a16="http://schemas.microsoft.com/office/drawing/2014/main" xmlns="" id="{1543F08D-D118-4243-B5A4-C2D3BDDA6B8A}"/>
+                  <a16:creationId xmlns:a16="http://schemas.microsoft.com/office/drawing/2014/main" id="{1543F08D-D118-4243-B5A4-C2D3BDDA6B8A}"/>
                 </a:ext>
               </a:extLst>
             </p:cNvPr>
@@ -16071,7 +15947,7 @@
             <p:cNvPr id="13" name="直線單箭頭接點 12">
               <a:extLst>
                 <a:ext uri="{FF2B5EF4-FFF2-40B4-BE49-F238E27FC236}">
-                  <a16:creationId xmlns:a16="http://schemas.microsoft.com/office/drawing/2014/main" xmlns="" id="{37056EA2-61C9-4EF3-A0B4-19F2A1399667}"/>
+                  <a16:creationId xmlns:a16="http://schemas.microsoft.com/office/drawing/2014/main" id="{37056EA2-61C9-4EF3-A0B4-19F2A1399667}"/>
                 </a:ext>
               </a:extLst>
             </p:cNvPr>
@@ -16116,7 +15992,7 @@
           <p:cNvPr id="14" name="群組 13">
             <a:extLst>
               <a:ext uri="{FF2B5EF4-FFF2-40B4-BE49-F238E27FC236}">
-                <a16:creationId xmlns:a16="http://schemas.microsoft.com/office/drawing/2014/main" xmlns="" id="{C8A1A4FD-694D-41FE-A896-9864FDAEE626}"/>
+                <a16:creationId xmlns:a16="http://schemas.microsoft.com/office/drawing/2014/main" id="{C8A1A4FD-694D-41FE-A896-9864FDAEE626}"/>
               </a:ext>
             </a:extLst>
           </p:cNvPr>
@@ -16136,7 +16012,7 @@
             <p:cNvPr id="15" name="文字方塊 14">
               <a:extLst>
                 <a:ext uri="{FF2B5EF4-FFF2-40B4-BE49-F238E27FC236}">
-                  <a16:creationId xmlns:a16="http://schemas.microsoft.com/office/drawing/2014/main" xmlns="" id="{EBB73A9F-1EC7-40B3-867C-1A9533D17346}"/>
+                  <a16:creationId xmlns:a16="http://schemas.microsoft.com/office/drawing/2014/main" id="{EBB73A9F-1EC7-40B3-867C-1A9533D17346}"/>
                 </a:ext>
               </a:extLst>
             </p:cNvPr>
@@ -16178,7 +16054,7 @@
             <p:cNvPr id="16" name="直線單箭頭接點 15">
               <a:extLst>
                 <a:ext uri="{FF2B5EF4-FFF2-40B4-BE49-F238E27FC236}">
-                  <a16:creationId xmlns:a16="http://schemas.microsoft.com/office/drawing/2014/main" xmlns="" id="{78429148-5B7D-4C4A-A504-C32693315E47}"/>
+                  <a16:creationId xmlns:a16="http://schemas.microsoft.com/office/drawing/2014/main" id="{78429148-5B7D-4C4A-A504-C32693315E47}"/>
                 </a:ext>
               </a:extLst>
             </p:cNvPr>
@@ -16223,7 +16099,7 @@
           <p:cNvPr id="17" name="文字方塊 16">
             <a:extLst>
               <a:ext uri="{FF2B5EF4-FFF2-40B4-BE49-F238E27FC236}">
-                <a16:creationId xmlns:a16="http://schemas.microsoft.com/office/drawing/2014/main" xmlns="" id="{8561D795-4070-4726-ADA7-DC42A54FD582}"/>
+                <a16:creationId xmlns:a16="http://schemas.microsoft.com/office/drawing/2014/main" id="{8561D795-4070-4726-ADA7-DC42A54FD582}"/>
               </a:ext>
             </a:extLst>
           </p:cNvPr>
@@ -16272,7 +16148,7 @@
           <p:cNvPr id="18" name="直線單箭頭接點 17">
             <a:extLst>
               <a:ext uri="{FF2B5EF4-FFF2-40B4-BE49-F238E27FC236}">
-                <a16:creationId xmlns:a16="http://schemas.microsoft.com/office/drawing/2014/main" xmlns="" id="{C89BADAD-E4F8-42B9-B595-33C3160624F0}"/>
+                <a16:creationId xmlns:a16="http://schemas.microsoft.com/office/drawing/2014/main" id="{C89BADAD-E4F8-42B9-B595-33C3160624F0}"/>
               </a:ext>
             </a:extLst>
           </p:cNvPr>
@@ -16316,7 +16192,7 @@
           <p:cNvPr id="19" name="直線單箭頭接點 18">
             <a:extLst>
               <a:ext uri="{FF2B5EF4-FFF2-40B4-BE49-F238E27FC236}">
-                <a16:creationId xmlns:a16="http://schemas.microsoft.com/office/drawing/2014/main" xmlns="" id="{9A71131B-C794-49F2-A5A8-30CFDCE2EF38}"/>
+                <a16:creationId xmlns:a16="http://schemas.microsoft.com/office/drawing/2014/main" id="{9A71131B-C794-49F2-A5A8-30CFDCE2EF38}"/>
               </a:ext>
             </a:extLst>
           </p:cNvPr>
@@ -16360,7 +16236,7 @@
           <p:cNvPr id="20" name="直線單箭頭接點 19">
             <a:extLst>
               <a:ext uri="{FF2B5EF4-FFF2-40B4-BE49-F238E27FC236}">
-                <a16:creationId xmlns:a16="http://schemas.microsoft.com/office/drawing/2014/main" xmlns="" id="{F4175D07-58FC-4153-B0BE-AC27D02CAB4A}"/>
+                <a16:creationId xmlns:a16="http://schemas.microsoft.com/office/drawing/2014/main" id="{F4175D07-58FC-4153-B0BE-AC27D02CAB4A}"/>
               </a:ext>
             </a:extLst>
           </p:cNvPr>
@@ -16404,7 +16280,7 @@
           <p:cNvPr id="21" name="直線單箭頭接點 20">
             <a:extLst>
               <a:ext uri="{FF2B5EF4-FFF2-40B4-BE49-F238E27FC236}">
-                <a16:creationId xmlns:a16="http://schemas.microsoft.com/office/drawing/2014/main" xmlns="" id="{B218A6AA-A360-4AED-BD40-7478B3F96743}"/>
+                <a16:creationId xmlns:a16="http://schemas.microsoft.com/office/drawing/2014/main" id="{B218A6AA-A360-4AED-BD40-7478B3F96743}"/>
               </a:ext>
             </a:extLst>
           </p:cNvPr>
@@ -16448,7 +16324,7 @@
           <p:cNvPr id="22" name="矩形 21">
             <a:extLst>
               <a:ext uri="{FF2B5EF4-FFF2-40B4-BE49-F238E27FC236}">
-                <a16:creationId xmlns:a16="http://schemas.microsoft.com/office/drawing/2014/main" xmlns="" id="{E8E0F88E-2BCB-48DF-9DA2-1591BADF55B6}"/>
+                <a16:creationId xmlns:a16="http://schemas.microsoft.com/office/drawing/2014/main" id="{E8E0F88E-2BCB-48DF-9DA2-1591BADF55B6}"/>
               </a:ext>
             </a:extLst>
           </p:cNvPr>
@@ -16496,7 +16372,7 @@
           <p:cNvPr id="23" name="矩形 22">
             <a:extLst>
               <a:ext uri="{FF2B5EF4-FFF2-40B4-BE49-F238E27FC236}">
-                <a16:creationId xmlns:a16="http://schemas.microsoft.com/office/drawing/2014/main" xmlns="" id="{E1DA040F-2DE1-4BBB-87A0-5FE9A05BB172}"/>
+                <a16:creationId xmlns:a16="http://schemas.microsoft.com/office/drawing/2014/main" id="{E1DA040F-2DE1-4BBB-87A0-5FE9A05BB172}"/>
               </a:ext>
             </a:extLst>
           </p:cNvPr>
@@ -16544,7 +16420,7 @@
           <p:cNvPr id="24" name="矩形 23">
             <a:extLst>
               <a:ext uri="{FF2B5EF4-FFF2-40B4-BE49-F238E27FC236}">
-                <a16:creationId xmlns:a16="http://schemas.microsoft.com/office/drawing/2014/main" xmlns="" id="{A2B09EC7-20A0-45CD-BC2C-34438A6C8288}"/>
+                <a16:creationId xmlns:a16="http://schemas.microsoft.com/office/drawing/2014/main" id="{A2B09EC7-20A0-45CD-BC2C-34438A6C8288}"/>
               </a:ext>
             </a:extLst>
           </p:cNvPr>
@@ -16592,7 +16468,7 @@
           <p:cNvPr id="25" name="矩形 24">
             <a:extLst>
               <a:ext uri="{FF2B5EF4-FFF2-40B4-BE49-F238E27FC236}">
-                <a16:creationId xmlns:a16="http://schemas.microsoft.com/office/drawing/2014/main" xmlns="" id="{8D23B76B-F394-4C20-901A-E79502F1B7BB}"/>
+                <a16:creationId xmlns:a16="http://schemas.microsoft.com/office/drawing/2014/main" id="{8D23B76B-F394-4C20-901A-E79502F1B7BB}"/>
               </a:ext>
             </a:extLst>
           </p:cNvPr>
@@ -16640,7 +16516,7 @@
           <p:cNvPr id="27" name="文字方塊 26">
             <a:extLst>
               <a:ext uri="{FF2B5EF4-FFF2-40B4-BE49-F238E27FC236}">
-                <a16:creationId xmlns:a16="http://schemas.microsoft.com/office/drawing/2014/main" xmlns="" id="{7EF5E6DE-B0A3-47D7-BAE6-E568834055FE}"/>
+                <a16:creationId xmlns:a16="http://schemas.microsoft.com/office/drawing/2014/main" id="{7EF5E6DE-B0A3-47D7-BAE6-E568834055FE}"/>
               </a:ext>
             </a:extLst>
           </p:cNvPr>
@@ -16689,7 +16565,7 @@
           <p:cNvPr id="28" name="文字方塊 27">
             <a:extLst>
               <a:ext uri="{FF2B5EF4-FFF2-40B4-BE49-F238E27FC236}">
-                <a16:creationId xmlns:a16="http://schemas.microsoft.com/office/drawing/2014/main" xmlns="" id="{863BBF12-FA21-4AE7-B200-31DA22ECBC83}"/>
+                <a16:creationId xmlns:a16="http://schemas.microsoft.com/office/drawing/2014/main" id="{863BBF12-FA21-4AE7-B200-31DA22ECBC83}"/>
               </a:ext>
             </a:extLst>
           </p:cNvPr>
@@ -16740,7 +16616,7 @@
           <p:cNvPr id="30" name="矩形: 圓角 29">
             <a:extLst>
               <a:ext uri="{FF2B5EF4-FFF2-40B4-BE49-F238E27FC236}">
-                <a16:creationId xmlns:a16="http://schemas.microsoft.com/office/drawing/2014/main" xmlns="" id="{3A6FA782-0E26-485A-AF64-EB35364725F0}"/>
+                <a16:creationId xmlns:a16="http://schemas.microsoft.com/office/drawing/2014/main" id="{3A6FA782-0E26-485A-AF64-EB35364725F0}"/>
               </a:ext>
             </a:extLst>
           </p:cNvPr>
@@ -16807,7 +16683,7 @@
           <p:cNvPr id="31" name="直線單箭頭接點 30">
             <a:extLst>
               <a:ext uri="{FF2B5EF4-FFF2-40B4-BE49-F238E27FC236}">
-                <a16:creationId xmlns:a16="http://schemas.microsoft.com/office/drawing/2014/main" xmlns="" id="{CEB2403B-F3A3-4230-AA8D-7607BF6F63EE}"/>
+                <a16:creationId xmlns:a16="http://schemas.microsoft.com/office/drawing/2014/main" id="{CEB2403B-F3A3-4230-AA8D-7607BF6F63EE}"/>
               </a:ext>
             </a:extLst>
           </p:cNvPr>
@@ -16851,7 +16727,7 @@
           <p:cNvPr id="32" name="文字方塊 31">
             <a:extLst>
               <a:ext uri="{FF2B5EF4-FFF2-40B4-BE49-F238E27FC236}">
-                <a16:creationId xmlns:a16="http://schemas.microsoft.com/office/drawing/2014/main" xmlns="" id="{15917344-983D-45F0-90E5-A08D70D2F6AE}"/>
+                <a16:creationId xmlns:a16="http://schemas.microsoft.com/office/drawing/2014/main" id="{15917344-983D-45F0-90E5-A08D70D2F6AE}"/>
               </a:ext>
             </a:extLst>
           </p:cNvPr>
@@ -16896,7 +16772,7 @@
           <p:cNvPr id="33" name="直線單箭頭接點 32">
             <a:extLst>
               <a:ext uri="{FF2B5EF4-FFF2-40B4-BE49-F238E27FC236}">
-                <a16:creationId xmlns:a16="http://schemas.microsoft.com/office/drawing/2014/main" xmlns="" id="{51DBE1F6-1ABE-4C20-BF9B-9FF205DF5DF9}"/>
+                <a16:creationId xmlns:a16="http://schemas.microsoft.com/office/drawing/2014/main" id="{51DBE1F6-1ABE-4C20-BF9B-9FF205DF5DF9}"/>
               </a:ext>
             </a:extLst>
           </p:cNvPr>
@@ -16940,7 +16816,7 @@
           <p:cNvPr id="34" name="直線單箭頭接點 33">
             <a:extLst>
               <a:ext uri="{FF2B5EF4-FFF2-40B4-BE49-F238E27FC236}">
-                <a16:creationId xmlns:a16="http://schemas.microsoft.com/office/drawing/2014/main" xmlns="" id="{32C82DEC-A844-4B87-9D82-8379708E99DD}"/>
+                <a16:creationId xmlns:a16="http://schemas.microsoft.com/office/drawing/2014/main" id="{32C82DEC-A844-4B87-9D82-8379708E99DD}"/>
               </a:ext>
             </a:extLst>
           </p:cNvPr>
@@ -16984,7 +16860,7 @@
           <p:cNvPr id="35" name="直線單箭頭接點 34">
             <a:extLst>
               <a:ext uri="{FF2B5EF4-FFF2-40B4-BE49-F238E27FC236}">
-                <a16:creationId xmlns:a16="http://schemas.microsoft.com/office/drawing/2014/main" xmlns="" id="{EE7CC116-34A4-49D6-AF24-4BE69D6141CC}"/>
+                <a16:creationId xmlns:a16="http://schemas.microsoft.com/office/drawing/2014/main" id="{EE7CC116-34A4-49D6-AF24-4BE69D6141CC}"/>
               </a:ext>
             </a:extLst>
           </p:cNvPr>
@@ -17028,7 +16904,7 @@
           <p:cNvPr id="36" name="直線單箭頭接點 35">
             <a:extLst>
               <a:ext uri="{FF2B5EF4-FFF2-40B4-BE49-F238E27FC236}">
-                <a16:creationId xmlns:a16="http://schemas.microsoft.com/office/drawing/2014/main" xmlns="" id="{39B8A2A3-ABB8-4361-BA9E-C7D906208314}"/>
+                <a16:creationId xmlns:a16="http://schemas.microsoft.com/office/drawing/2014/main" id="{39B8A2A3-ABB8-4361-BA9E-C7D906208314}"/>
               </a:ext>
             </a:extLst>
           </p:cNvPr>
@@ -17072,7 +16948,7 @@
           <p:cNvPr id="37" name="直線單箭頭接點 36">
             <a:extLst>
               <a:ext uri="{FF2B5EF4-FFF2-40B4-BE49-F238E27FC236}">
-                <a16:creationId xmlns:a16="http://schemas.microsoft.com/office/drawing/2014/main" xmlns="" id="{B371C946-2AF7-46C0-BCF7-89E0EFD5911F}"/>
+                <a16:creationId xmlns:a16="http://schemas.microsoft.com/office/drawing/2014/main" id="{B371C946-2AF7-46C0-BCF7-89E0EFD5911F}"/>
               </a:ext>
             </a:extLst>
           </p:cNvPr>
@@ -17116,7 +16992,7 @@
           <p:cNvPr id="38" name="直線單箭頭接點 37">
             <a:extLst>
               <a:ext uri="{FF2B5EF4-FFF2-40B4-BE49-F238E27FC236}">
-                <a16:creationId xmlns:a16="http://schemas.microsoft.com/office/drawing/2014/main" xmlns="" id="{76306799-F2B4-48EF-94E2-8B69A217B850}"/>
+                <a16:creationId xmlns:a16="http://schemas.microsoft.com/office/drawing/2014/main" id="{76306799-F2B4-48EF-94E2-8B69A217B850}"/>
               </a:ext>
             </a:extLst>
           </p:cNvPr>
@@ -17160,7 +17036,7 @@
           <p:cNvPr id="39" name="直線單箭頭接點 38">
             <a:extLst>
               <a:ext uri="{FF2B5EF4-FFF2-40B4-BE49-F238E27FC236}">
-                <a16:creationId xmlns:a16="http://schemas.microsoft.com/office/drawing/2014/main" xmlns="" id="{AE169518-52D5-48F8-AEA3-E555CD39DBB6}"/>
+                <a16:creationId xmlns:a16="http://schemas.microsoft.com/office/drawing/2014/main" id="{AE169518-52D5-48F8-AEA3-E555CD39DBB6}"/>
               </a:ext>
             </a:extLst>
           </p:cNvPr>
@@ -17204,7 +17080,7 @@
           <p:cNvPr id="40" name="直線單箭頭接點 39">
             <a:extLst>
               <a:ext uri="{FF2B5EF4-FFF2-40B4-BE49-F238E27FC236}">
-                <a16:creationId xmlns:a16="http://schemas.microsoft.com/office/drawing/2014/main" xmlns="" id="{BFE99049-150E-4C17-9A0C-5EFBB38E8DEB}"/>
+                <a16:creationId xmlns:a16="http://schemas.microsoft.com/office/drawing/2014/main" id="{BFE99049-150E-4C17-9A0C-5EFBB38E8DEB}"/>
               </a:ext>
             </a:extLst>
           </p:cNvPr>
@@ -17248,7 +17124,7 @@
           <p:cNvPr id="41" name="直線單箭頭接點 40">
             <a:extLst>
               <a:ext uri="{FF2B5EF4-FFF2-40B4-BE49-F238E27FC236}">
-                <a16:creationId xmlns:a16="http://schemas.microsoft.com/office/drawing/2014/main" xmlns="" id="{3045BF29-1CAF-42F6-BCEC-ACAF3ABE67E3}"/>
+                <a16:creationId xmlns:a16="http://schemas.microsoft.com/office/drawing/2014/main" id="{3045BF29-1CAF-42F6-BCEC-ACAF3ABE67E3}"/>
               </a:ext>
             </a:extLst>
           </p:cNvPr>
@@ -17292,7 +17168,7 @@
           <p:cNvPr id="42" name="文字方塊 41">
             <a:extLst>
               <a:ext uri="{FF2B5EF4-FFF2-40B4-BE49-F238E27FC236}">
-                <a16:creationId xmlns:a16="http://schemas.microsoft.com/office/drawing/2014/main" xmlns="" id="{4D190072-DF9E-4023-B96B-88CC2E1C3B93}"/>
+                <a16:creationId xmlns:a16="http://schemas.microsoft.com/office/drawing/2014/main" id="{4D190072-DF9E-4023-B96B-88CC2E1C3B93}"/>
               </a:ext>
             </a:extLst>
           </p:cNvPr>
@@ -17337,7 +17213,7 @@
           <p:cNvPr id="43" name="右大括弧 42">
             <a:extLst>
               <a:ext uri="{FF2B5EF4-FFF2-40B4-BE49-F238E27FC236}">
-                <a16:creationId xmlns:a16="http://schemas.microsoft.com/office/drawing/2014/main" xmlns="" id="{D30C4928-AE77-4246-B992-EABF74CF1AF5}"/>
+                <a16:creationId xmlns:a16="http://schemas.microsoft.com/office/drawing/2014/main" id="{D30C4928-AE77-4246-B992-EABF74CF1AF5}"/>
               </a:ext>
             </a:extLst>
           </p:cNvPr>
@@ -17398,13 +17274,6 @@
   <p:clrMapOvr>
     <a:masterClrMapping/>
   </p:clrMapOvr>
-  <p:timing>
-    <p:tnLst>
-      <p:par>
-        <p:cTn id="1" dur="indefinite" restart="never" nodeType="tmRoot"/>
-      </p:par>
-    </p:tnLst>
-  </p:timing>
 </p:sld>
 </file>
 
@@ -17689,7 +17558,7 @@
   <a:extraClrSchemeLst/>
   <a:extLst>
     <a:ext uri="{05A4C25C-085E-4340-85A3-A5531E510DB2}">
-      <thm15:themeFamily xmlns:thm15="http://schemas.microsoft.com/office/thememl/2012/main" xmlns="" name="主题5" id="{B8EDB911-D765-4A7B-BBC7-40DBB672FBA6}" vid="{AECAB1C0-5DF6-436C-85E8-20094DBE11C0}"/>
+      <thm15:themeFamily xmlns:thm15="http://schemas.microsoft.com/office/thememl/2012/main" name="主题5" id="{B8EDB911-D765-4A7B-BBC7-40DBB672FBA6}" vid="{AECAB1C0-5DF6-436C-85E8-20094DBE11C0}"/>
     </a:ext>
   </a:extLst>
 </a:theme>
@@ -17950,7 +17819,7 @@
   <a:extraClrSchemeLst/>
   <a:extLst>
     <a:ext uri="{05A4C25C-085E-4340-85A3-A5531E510DB2}">
-      <thm15:themeFamily xmlns:thm15="http://schemas.microsoft.com/office/thememl/2012/main" xmlns="" name="Office Theme" id="{62F939B6-93AF-4DB8-9C6B-D6C7DFDC589F}" vid="{4A3C46E8-61CC-4603-A589-7422A47A8E4A}"/>
+      <thm15:themeFamily xmlns:thm15="http://schemas.microsoft.com/office/thememl/2012/main" name="Office Theme" id="{62F939B6-93AF-4DB8-9C6B-D6C7DFDC589F}" vid="{4A3C46E8-61CC-4603-A589-7422A47A8E4A}"/>
     </a:ext>
   </a:extLst>
 </a:theme>
@@ -18211,7 +18080,7 @@
   <a:extraClrSchemeLst/>
   <a:extLst>
     <a:ext uri="{05A4C25C-085E-4340-85A3-A5531E510DB2}">
-      <thm15:themeFamily xmlns:thm15="http://schemas.microsoft.com/office/thememl/2012/main" xmlns="" name="Office Theme" id="{62F939B6-93AF-4DB8-9C6B-D6C7DFDC589F}" vid="{4A3C46E8-61CC-4603-A589-7422A47A8E4A}"/>
+      <thm15:themeFamily xmlns:thm15="http://schemas.microsoft.com/office/thememl/2012/main" name="Office Theme" id="{62F939B6-93AF-4DB8-9C6B-D6C7DFDC589F}" vid="{4A3C46E8-61CC-4603-A589-7422A47A8E4A}"/>
     </a:ext>
   </a:extLst>
 </a:theme>
@@ -18472,7 +18341,7 @@
   <a:extraClrSchemeLst/>
   <a:extLst>
     <a:ext uri="{05A4C25C-085E-4340-85A3-A5531E510DB2}">
-      <thm15:themeFamily xmlns:thm15="http://schemas.microsoft.com/office/thememl/2012/main" xmlns="" name="Office Theme" id="{62F939B6-93AF-4DB8-9C6B-D6C7DFDC589F}" vid="{4A3C46E8-61CC-4603-A589-7422A47A8E4A}"/>
+      <thm15:themeFamily xmlns:thm15="http://schemas.microsoft.com/office/thememl/2012/main" name="Office Theme" id="{62F939B6-93AF-4DB8-9C6B-D6C7DFDC589F}" vid="{4A3C46E8-61CC-4603-A589-7422A47A8E4A}"/>
     </a:ext>
   </a:extLst>
 </a:theme>
